--- a/Presentation/Customer Churn Prediction Strategy UK Telecoms [Autosaved].pptx
+++ b/Presentation/Customer Churn Prediction Strategy UK Telecoms [Autosaved].pptx
@@ -5,20 +5,17 @@
     <p:sldMasterId id="2147483666" r:id="rId1"/>
   </p:sldMasterIdLst>
   <p:notesMasterIdLst>
-    <p:notesMasterId r:id="rId13"/>
+    <p:notesMasterId r:id="rId10"/>
   </p:notesMasterIdLst>
   <p:sldIdLst>
     <p:sldId id="256" r:id="rId2"/>
     <p:sldId id="270" r:id="rId3"/>
     <p:sldId id="272" r:id="rId4"/>
     <p:sldId id="269" r:id="rId5"/>
-    <p:sldId id="267" r:id="rId6"/>
-    <p:sldId id="264" r:id="rId7"/>
-    <p:sldId id="259" r:id="rId8"/>
-    <p:sldId id="260" r:id="rId9"/>
-    <p:sldId id="265" r:id="rId10"/>
-    <p:sldId id="271" r:id="rId11"/>
-    <p:sldId id="262" r:id="rId12"/>
+    <p:sldId id="260" r:id="rId6"/>
+    <p:sldId id="265" r:id="rId7"/>
+    <p:sldId id="271" r:id="rId8"/>
+    <p:sldId id="262" r:id="rId9"/>
   </p:sldIdLst>
   <p:sldSz cx="18288000" cy="10287000"/>
   <p:notesSz cx="18288000" cy="10287000"/>
@@ -6618,619 +6615,6 @@
 </p:sld>
 </file>
 
-<file path=ppt/slides/slide10.xml><?xml version="1.0" encoding="utf-8"?>
-<p:sld xmlns:a="http://schemas.openxmlformats.org/drawingml/2006/main" xmlns:r="http://schemas.openxmlformats.org/officeDocument/2006/relationships" xmlns:p="http://schemas.openxmlformats.org/presentationml/2006/main">
-  <p:cSld>
-    <p:spTree>
-      <p:nvGrpSpPr>
-        <p:cNvPr id="1" name=""/>
-        <p:cNvGrpSpPr/>
-        <p:nvPr/>
-      </p:nvGrpSpPr>
-      <p:grpSpPr>
-        <a:xfrm>
-          <a:off x="0" y="0"/>
-          <a:ext cx="0" cy="0"/>
-          <a:chOff x="0" y="0"/>
-          <a:chExt cx="0" cy="0"/>
-        </a:xfrm>
-      </p:grpSpPr>
-      <p:sp>
-        <p:nvSpPr>
-          <p:cNvPr id="4" name="TextBox 3">
-            <a:extLst>
-              <a:ext uri="{FF2B5EF4-FFF2-40B4-BE49-F238E27FC236}">
-                <a16:creationId xmlns:a16="http://schemas.microsoft.com/office/drawing/2014/main" id="{65AFFE8F-9932-D367-5762-96FDF562D813}"/>
-              </a:ext>
-            </a:extLst>
-          </p:cNvPr>
-          <p:cNvSpPr txBox="1"/>
-          <p:nvPr/>
-        </p:nvSpPr>
-        <p:spPr>
-          <a:xfrm>
-            <a:off x="762000" y="2365644"/>
-            <a:ext cx="6374175" cy="3077766"/>
-          </a:xfrm>
-          <a:prstGeom prst="rect">
-            <a:avLst/>
-          </a:prstGeom>
-          <a:noFill/>
-        </p:spPr>
-        <p:txBody>
-          <a:bodyPr wrap="square" rtlCol="0">
-            <a:spAutoFit/>
-          </a:bodyPr>
-          <a:lstStyle/>
-          <a:p>
-            <a:pPr marL="469900" indent="-457200">
-              <a:spcBef>
-                <a:spcPts val="100"/>
-              </a:spcBef>
-              <a:buFont typeface="Arial" panose="020B0604020202020204" pitchFamily="34" charset="0"/>
-              <a:buChar char="•"/>
-            </a:pPr>
-            <a:r>
-              <a:rPr lang="en-GB" sz="2700" b="1" spc="155" dirty="0">
-                <a:solidFill>
-                  <a:srgbClr val="ECE6ED"/>
-                </a:solidFill>
-                <a:latin typeface="Garamond" panose="02020404030301010803" pitchFamily="18" charset="0"/>
-              </a:rPr>
-              <a:t>Model Accuracy: ~92%</a:t>
-            </a:r>
-          </a:p>
-          <a:p>
-            <a:pPr marL="469900" indent="-457200">
-              <a:spcBef>
-                <a:spcPts val="100"/>
-              </a:spcBef>
-              <a:buFont typeface="Arial" panose="020B0604020202020204" pitchFamily="34" charset="0"/>
-              <a:buChar char="•"/>
-            </a:pPr>
-            <a:endParaRPr lang="en-GB" sz="2700" b="1" spc="155" dirty="0">
-              <a:solidFill>
-                <a:srgbClr val="ECE6ED"/>
-              </a:solidFill>
-              <a:latin typeface="Garamond" panose="02020404030301010803" pitchFamily="18" charset="0"/>
-            </a:endParaRPr>
-          </a:p>
-          <a:p>
-            <a:pPr marL="469900" indent="-457200">
-              <a:spcBef>
-                <a:spcPts val="100"/>
-              </a:spcBef>
-              <a:buFont typeface="Arial" panose="020B0604020202020204" pitchFamily="34" charset="0"/>
-              <a:buChar char="•"/>
-            </a:pPr>
-            <a:r>
-              <a:rPr lang="en-GB" sz="2700" b="1" spc="155" dirty="0">
-                <a:solidFill>
-                  <a:srgbClr val="ECE6ED"/>
-                </a:solidFill>
-                <a:latin typeface="Garamond" panose="02020404030301010803" pitchFamily="18" charset="0"/>
-              </a:rPr>
-              <a:t>ROC-AUC: 0.97</a:t>
-            </a:r>
-          </a:p>
-          <a:p>
-            <a:pPr marL="469900" indent="-457200">
-              <a:spcBef>
-                <a:spcPts val="100"/>
-              </a:spcBef>
-              <a:buFont typeface="Arial" panose="020B0604020202020204" pitchFamily="34" charset="0"/>
-              <a:buChar char="•"/>
-            </a:pPr>
-            <a:endParaRPr lang="en-GB" sz="2700" b="1" spc="155" dirty="0">
-              <a:solidFill>
-                <a:srgbClr val="ECE6ED"/>
-              </a:solidFill>
-              <a:latin typeface="Garamond" panose="02020404030301010803" pitchFamily="18" charset="0"/>
-            </a:endParaRPr>
-          </a:p>
-          <a:p>
-            <a:pPr marL="469900" indent="-457200">
-              <a:spcBef>
-                <a:spcPts val="100"/>
-              </a:spcBef>
-              <a:buFont typeface="Arial" panose="020B0604020202020204" pitchFamily="34" charset="0"/>
-              <a:buChar char="•"/>
-            </a:pPr>
-            <a:r>
-              <a:rPr lang="en-GB" sz="2700" b="1" spc="155" dirty="0">
-                <a:solidFill>
-                  <a:srgbClr val="ECE6ED"/>
-                </a:solidFill>
-                <a:latin typeface="Garamond" panose="02020404030301010803" pitchFamily="18" charset="0"/>
-              </a:rPr>
-              <a:t>Recall @ Top 20% = 30.9%</a:t>
-            </a:r>
-          </a:p>
-          <a:p>
-            <a:pPr marL="469900" indent="-457200">
-              <a:spcBef>
-                <a:spcPts val="100"/>
-              </a:spcBef>
-              <a:buFont typeface="Arial" panose="020B0604020202020204" pitchFamily="34" charset="0"/>
-              <a:buChar char="•"/>
-            </a:pPr>
-            <a:endParaRPr lang="en-GB" sz="2700" b="1" spc="155" dirty="0">
-              <a:solidFill>
-                <a:srgbClr val="ECE6ED"/>
-              </a:solidFill>
-              <a:latin typeface="Garamond" panose="02020404030301010803" pitchFamily="18" charset="0"/>
-            </a:endParaRPr>
-          </a:p>
-          <a:p>
-            <a:pPr marL="469900" indent="-457200">
-              <a:spcBef>
-                <a:spcPts val="100"/>
-              </a:spcBef>
-              <a:buFont typeface="Arial" panose="020B0604020202020204" pitchFamily="34" charset="0"/>
-              <a:buChar char="•"/>
-            </a:pPr>
-            <a:r>
-              <a:rPr lang="en-GB" sz="2700" b="1" spc="155" dirty="0">
-                <a:solidFill>
-                  <a:srgbClr val="ECE6ED"/>
-                </a:solidFill>
-                <a:latin typeface="Garamond" panose="02020404030301010803" pitchFamily="18" charset="0"/>
-              </a:rPr>
-              <a:t>Lift = 1.54x</a:t>
-            </a:r>
-          </a:p>
-        </p:txBody>
-      </p:sp>
-      <p:pic>
-        <p:nvPicPr>
-          <p:cNvPr id="5" name="Picture 4">
-            <a:extLst>
-              <a:ext uri="{FF2B5EF4-FFF2-40B4-BE49-F238E27FC236}">
-                <a16:creationId xmlns:a16="http://schemas.microsoft.com/office/drawing/2014/main" id="{C8214A4A-64BA-960D-70A1-82C1B6FC190A}"/>
-              </a:ext>
-            </a:extLst>
-          </p:cNvPr>
-          <p:cNvPicPr>
-            <a:picLocks noChangeAspect="1"/>
-          </p:cNvPicPr>
-          <p:nvPr/>
-        </p:nvPicPr>
-        <p:blipFill>
-          <a:blip r:embed="rId2">
-            <a:extLst>
-              <a:ext uri="{28A0092B-C50C-407E-A947-70E740481C1C}">
-                <a14:useLocalDpi xmlns:a14="http://schemas.microsoft.com/office/drawing/2010/main" val="0"/>
-              </a:ext>
-            </a:extLst>
-          </a:blip>
-          <a:stretch>
-            <a:fillRect/>
-          </a:stretch>
-        </p:blipFill>
-        <p:spPr>
-          <a:xfrm>
-            <a:off x="11784375" y="190500"/>
-            <a:ext cx="6248400" cy="5145239"/>
-          </a:xfrm>
-          <a:prstGeom prst="rect">
-            <a:avLst/>
-          </a:prstGeom>
-        </p:spPr>
-      </p:pic>
-      <p:pic>
-        <p:nvPicPr>
-          <p:cNvPr id="6" name="Picture 5">
-            <a:extLst>
-              <a:ext uri="{FF2B5EF4-FFF2-40B4-BE49-F238E27FC236}">
-                <a16:creationId xmlns:a16="http://schemas.microsoft.com/office/drawing/2014/main" id="{9FFB9174-0551-718E-CE39-AFECD93FEB7B}"/>
-              </a:ext>
-            </a:extLst>
-          </p:cNvPr>
-          <p:cNvPicPr>
-            <a:picLocks noChangeAspect="1"/>
-          </p:cNvPicPr>
-          <p:nvPr/>
-        </p:nvPicPr>
-        <p:blipFill>
-          <a:blip r:embed="rId3">
-            <a:extLst>
-              <a:ext uri="{28A0092B-C50C-407E-A947-70E740481C1C}">
-                <a14:useLocalDpi xmlns:a14="http://schemas.microsoft.com/office/drawing/2010/main" val="0"/>
-              </a:ext>
-            </a:extLst>
-          </a:blip>
-          <a:stretch>
-            <a:fillRect/>
-          </a:stretch>
-        </p:blipFill>
-        <p:spPr>
-          <a:xfrm>
-            <a:off x="5410200" y="5335739"/>
-            <a:ext cx="6374175" cy="4760761"/>
-          </a:xfrm>
-          <a:prstGeom prst="rect">
-            <a:avLst/>
-          </a:prstGeom>
-        </p:spPr>
-      </p:pic>
-      <p:sp>
-        <p:nvSpPr>
-          <p:cNvPr id="7" name="TextBox 6">
-            <a:extLst>
-              <a:ext uri="{FF2B5EF4-FFF2-40B4-BE49-F238E27FC236}">
-                <a16:creationId xmlns:a16="http://schemas.microsoft.com/office/drawing/2014/main" id="{E41D0237-BAA6-5E17-3384-2F5BAF5F7B5A}"/>
-              </a:ext>
-            </a:extLst>
-          </p:cNvPr>
-          <p:cNvSpPr txBox="1"/>
-          <p:nvPr/>
-        </p:nvSpPr>
-        <p:spPr>
-          <a:xfrm>
-            <a:off x="533400" y="351280"/>
-            <a:ext cx="13608570" cy="1046440"/>
-          </a:xfrm>
-          <a:prstGeom prst="rect">
-            <a:avLst/>
-          </a:prstGeom>
-          <a:noFill/>
-        </p:spPr>
-        <p:txBody>
-          <a:bodyPr wrap="square" rtlCol="0">
-            <a:spAutoFit/>
-          </a:bodyPr>
-          <a:lstStyle/>
-          <a:p>
-            <a:r>
-              <a:rPr lang="en-GB" sz="6200" dirty="0">
-                <a:solidFill>
-                  <a:schemeClr val="bg2">
-                    <a:lumMod val="20000"/>
-                    <a:lumOff val="80000"/>
-                  </a:schemeClr>
-                </a:solidFill>
-                <a:latin typeface="Garamond" panose="02020404030301010803" pitchFamily="18" charset="0"/>
-              </a:rPr>
-              <a:t>EVALUATION METRICS</a:t>
-            </a:r>
-          </a:p>
-        </p:txBody>
-      </p:sp>
-    </p:spTree>
-    <p:extLst>
-      <p:ext uri="{BB962C8B-B14F-4D97-AF65-F5344CB8AC3E}">
-        <p14:creationId xmlns:p14="http://schemas.microsoft.com/office/powerpoint/2010/main" val="228705831"/>
-      </p:ext>
-    </p:extLst>
-  </p:cSld>
-  <p:clrMapOvr>
-    <a:masterClrMapping/>
-  </p:clrMapOvr>
-</p:sld>
-</file>
-
-<file path=ppt/slides/slide11.xml><?xml version="1.0" encoding="utf-8"?>
-<p:sld xmlns:a="http://schemas.openxmlformats.org/drawingml/2006/main" xmlns:r="http://schemas.openxmlformats.org/officeDocument/2006/relationships" xmlns:p="http://schemas.openxmlformats.org/presentationml/2006/main">
-  <p:cSld>
-    <p:spTree>
-      <p:nvGrpSpPr>
-        <p:cNvPr id="1" name=""/>
-        <p:cNvGrpSpPr/>
-        <p:nvPr/>
-      </p:nvGrpSpPr>
-      <p:grpSpPr>
-        <a:xfrm>
-          <a:off x="0" y="0"/>
-          <a:ext cx="0" cy="0"/>
-          <a:chOff x="0" y="0"/>
-          <a:chExt cx="0" cy="0"/>
-        </a:xfrm>
-      </p:grpSpPr>
-      <p:pic>
-        <p:nvPicPr>
-          <p:cNvPr id="2" name="object 2"/>
-          <p:cNvPicPr/>
-          <p:nvPr/>
-        </p:nvPicPr>
-        <p:blipFill>
-          <a:blip r:embed="rId2" cstate="print"/>
-          <a:stretch>
-            <a:fillRect/>
-          </a:stretch>
-        </p:blipFill>
-        <p:spPr>
-          <a:xfrm>
-            <a:off x="9677400" y="2400300"/>
-            <a:ext cx="7743126" cy="5162067"/>
-          </a:xfrm>
-          <a:prstGeom prst="rect">
-            <a:avLst/>
-          </a:prstGeom>
-        </p:spPr>
-      </p:pic>
-      <p:sp>
-        <p:nvSpPr>
-          <p:cNvPr id="3" name="object 3"/>
-          <p:cNvSpPr txBox="1"/>
-          <p:nvPr/>
-        </p:nvSpPr>
-        <p:spPr>
-          <a:xfrm>
-            <a:off x="1066800" y="3162300"/>
-            <a:ext cx="8331834" cy="2621230"/>
-          </a:xfrm>
-          <a:prstGeom prst="rect">
-            <a:avLst/>
-          </a:prstGeom>
-        </p:spPr>
-        <p:txBody>
-          <a:bodyPr vert="horz" wrap="square" lIns="0" tIns="12700" rIns="0" bIns="0" rtlCol="0">
-            <a:spAutoFit/>
-          </a:bodyPr>
-          <a:lstStyle/>
-          <a:p>
-            <a:pPr marL="469900" indent="-457200">
-              <a:lnSpc>
-                <a:spcPct val="100000"/>
-              </a:lnSpc>
-              <a:spcBef>
-                <a:spcPts val="100"/>
-              </a:spcBef>
-              <a:buFont typeface="Arial" panose="020B0604020202020204" pitchFamily="34" charset="0"/>
-              <a:buChar char="•"/>
-            </a:pPr>
-            <a:r>
-              <a:rPr sz="2700" b="1" spc="165" dirty="0">
-                <a:solidFill>
-                  <a:srgbClr val="ECE6ED"/>
-                </a:solidFill>
-                <a:latin typeface="Garamond" panose="02020404030301010803" pitchFamily="18" charset="0"/>
-                <a:cs typeface="Arial Narrow"/>
-              </a:rPr>
-              <a:t>Short-</a:t>
-            </a:r>
-            <a:r>
-              <a:rPr sz="2700" b="1" spc="295" dirty="0">
-                <a:solidFill>
-                  <a:srgbClr val="ECE6ED"/>
-                </a:solidFill>
-                <a:latin typeface="Garamond" panose="02020404030301010803" pitchFamily="18" charset="0"/>
-                <a:cs typeface="Arial Narrow"/>
-              </a:rPr>
-              <a:t>Term</a:t>
-            </a:r>
-            <a:r>
-              <a:rPr sz="2700" b="1" spc="70" dirty="0">
-                <a:solidFill>
-                  <a:srgbClr val="ECE6ED"/>
-                </a:solidFill>
-                <a:latin typeface="Garamond" panose="02020404030301010803" pitchFamily="18" charset="0"/>
-                <a:cs typeface="Arial Narrow"/>
-              </a:rPr>
-              <a:t> </a:t>
-            </a:r>
-            <a:r>
-              <a:rPr sz="2700" b="1" spc="135" dirty="0">
-                <a:solidFill>
-                  <a:srgbClr val="ECE6ED"/>
-                </a:solidFill>
-                <a:latin typeface="Garamond" panose="02020404030301010803" pitchFamily="18" charset="0"/>
-                <a:cs typeface="Arial Narrow"/>
-              </a:rPr>
-              <a:t>Churn</a:t>
-            </a:r>
-            <a:r>
-              <a:rPr sz="2700" b="1" spc="75" dirty="0">
-                <a:solidFill>
-                  <a:srgbClr val="ECE6ED"/>
-                </a:solidFill>
-                <a:latin typeface="Garamond" panose="02020404030301010803" pitchFamily="18" charset="0"/>
-                <a:cs typeface="Arial Narrow"/>
-              </a:rPr>
-              <a:t> </a:t>
-            </a:r>
-            <a:r>
-              <a:rPr sz="2700" b="1" spc="150" dirty="0">
-                <a:solidFill>
-                  <a:srgbClr val="ECE6ED"/>
-                </a:solidFill>
-                <a:latin typeface="Garamond" panose="02020404030301010803" pitchFamily="18" charset="0"/>
-                <a:cs typeface="Arial Narrow"/>
-              </a:rPr>
-              <a:t>Forecasting</a:t>
-            </a:r>
-            <a:endParaRPr sz="2700" dirty="0">
-              <a:latin typeface="Garamond" panose="02020404030301010803" pitchFamily="18" charset="0"/>
-              <a:cs typeface="Arial Narrow"/>
-            </a:endParaRPr>
-          </a:p>
-          <a:p>
-            <a:pPr marL="457200" indent="-457200">
-              <a:lnSpc>
-                <a:spcPct val="100000"/>
-              </a:lnSpc>
-              <a:spcBef>
-                <a:spcPts val="285"/>
-              </a:spcBef>
-              <a:buFont typeface="Arial" panose="020B0604020202020204" pitchFamily="34" charset="0"/>
-              <a:buChar char="•"/>
-            </a:pPr>
-            <a:endParaRPr sz="2700" dirty="0">
-              <a:latin typeface="Garamond" panose="02020404030301010803" pitchFamily="18" charset="0"/>
-              <a:cs typeface="Century Gothic"/>
-            </a:endParaRPr>
-          </a:p>
-          <a:p>
-            <a:pPr marL="469900" indent="-457200">
-              <a:lnSpc>
-                <a:spcPct val="100000"/>
-              </a:lnSpc>
-              <a:buFont typeface="Arial" panose="020B0604020202020204" pitchFamily="34" charset="0"/>
-              <a:buChar char="•"/>
-            </a:pPr>
-            <a:r>
-              <a:rPr lang="en-GB" sz="2700" b="1" spc="195" dirty="0">
-                <a:solidFill>
-                  <a:srgbClr val="ECE6ED"/>
-                </a:solidFill>
-                <a:latin typeface="Garamond" panose="02020404030301010803" pitchFamily="18" charset="0"/>
-                <a:cs typeface="Arial Narrow"/>
-              </a:rPr>
-              <a:t>RAG Integration </a:t>
-            </a:r>
-            <a:endParaRPr sz="2700" dirty="0">
-              <a:latin typeface="Garamond" panose="02020404030301010803" pitchFamily="18" charset="0"/>
-              <a:cs typeface="Arial Narrow"/>
-            </a:endParaRPr>
-          </a:p>
-          <a:p>
-            <a:pPr marL="457200" indent="-457200">
-              <a:lnSpc>
-                <a:spcPct val="100000"/>
-              </a:lnSpc>
-              <a:spcBef>
-                <a:spcPts val="290"/>
-              </a:spcBef>
-              <a:buFont typeface="Arial" panose="020B0604020202020204" pitchFamily="34" charset="0"/>
-              <a:buChar char="•"/>
-            </a:pPr>
-            <a:endParaRPr sz="2700" dirty="0">
-              <a:latin typeface="Garamond" panose="02020404030301010803" pitchFamily="18" charset="0"/>
-              <a:cs typeface="Century Gothic"/>
-            </a:endParaRPr>
-          </a:p>
-          <a:p>
-            <a:pPr marL="469900" indent="-457200">
-              <a:lnSpc>
-                <a:spcPct val="100000"/>
-              </a:lnSpc>
-              <a:buFont typeface="Arial" panose="020B0604020202020204" pitchFamily="34" charset="0"/>
-              <a:buChar char="•"/>
-            </a:pPr>
-            <a:r>
-              <a:rPr sz="2700" b="1" spc="250" dirty="0">
-                <a:solidFill>
-                  <a:srgbClr val="ECE6ED"/>
-                </a:solidFill>
-                <a:latin typeface="Garamond" panose="02020404030301010803" pitchFamily="18" charset="0"/>
-                <a:cs typeface="Arial Narrow"/>
-              </a:rPr>
-              <a:t>CRM</a:t>
-            </a:r>
-            <a:r>
-              <a:rPr sz="2700" b="1" spc="60" dirty="0">
-                <a:solidFill>
-                  <a:srgbClr val="ECE6ED"/>
-                </a:solidFill>
-                <a:latin typeface="Garamond" panose="02020404030301010803" pitchFamily="18" charset="0"/>
-                <a:cs typeface="Arial Narrow"/>
-              </a:rPr>
-              <a:t> </a:t>
-            </a:r>
-            <a:r>
-              <a:rPr sz="2700" b="1" spc="185" dirty="0">
-                <a:solidFill>
-                  <a:srgbClr val="ECE6ED"/>
-                </a:solidFill>
-                <a:latin typeface="Garamond" panose="02020404030301010803" pitchFamily="18" charset="0"/>
-                <a:cs typeface="Arial Narrow"/>
-              </a:rPr>
-              <a:t>Workflow</a:t>
-            </a:r>
-            <a:r>
-              <a:rPr sz="2700" b="1" spc="65" dirty="0">
-                <a:solidFill>
-                  <a:srgbClr val="ECE6ED"/>
-                </a:solidFill>
-                <a:latin typeface="Garamond" panose="02020404030301010803" pitchFamily="18" charset="0"/>
-                <a:cs typeface="Arial Narrow"/>
-              </a:rPr>
-              <a:t> </a:t>
-            </a:r>
-            <a:r>
-              <a:rPr sz="2700" b="1" spc="170" dirty="0">
-                <a:solidFill>
-                  <a:srgbClr val="ECE6ED"/>
-                </a:solidFill>
-                <a:latin typeface="Garamond" panose="02020404030301010803" pitchFamily="18" charset="0"/>
-                <a:cs typeface="Arial Narrow"/>
-              </a:rPr>
-              <a:t>Alignment</a:t>
-            </a:r>
-            <a:endParaRPr sz="2700" dirty="0">
-              <a:latin typeface="Garamond" panose="02020404030301010803" pitchFamily="18" charset="0"/>
-              <a:cs typeface="Arial Narrow"/>
-            </a:endParaRPr>
-          </a:p>
-          <a:p>
-            <a:pPr marL="457200" indent="-457200">
-              <a:lnSpc>
-                <a:spcPct val="100000"/>
-              </a:lnSpc>
-              <a:spcBef>
-                <a:spcPts val="285"/>
-              </a:spcBef>
-              <a:buFont typeface="Arial" panose="020B0604020202020204" pitchFamily="34" charset="0"/>
-              <a:buChar char="•"/>
-            </a:pPr>
-            <a:endParaRPr sz="2700" dirty="0">
-              <a:latin typeface="Garamond" panose="02020404030301010803" pitchFamily="18" charset="0"/>
-              <a:cs typeface="Century Gothic"/>
-            </a:endParaRPr>
-          </a:p>
-        </p:txBody>
-      </p:sp>
-      <p:sp>
-        <p:nvSpPr>
-          <p:cNvPr id="6" name="TextBox 5">
-            <a:extLst>
-              <a:ext uri="{FF2B5EF4-FFF2-40B4-BE49-F238E27FC236}">
-                <a16:creationId xmlns:a16="http://schemas.microsoft.com/office/drawing/2014/main" id="{F767FC6E-BFA0-1E45-14A3-04AE365BEDA8}"/>
-              </a:ext>
-            </a:extLst>
-          </p:cNvPr>
-          <p:cNvSpPr txBox="1"/>
-          <p:nvPr/>
-        </p:nvSpPr>
-        <p:spPr>
-          <a:xfrm>
-            <a:off x="533400" y="351280"/>
-            <a:ext cx="13608570" cy="1046440"/>
-          </a:xfrm>
-          <a:prstGeom prst="rect">
-            <a:avLst/>
-          </a:prstGeom>
-          <a:noFill/>
-        </p:spPr>
-        <p:txBody>
-          <a:bodyPr wrap="square" rtlCol="0">
-            <a:spAutoFit/>
-          </a:bodyPr>
-          <a:lstStyle/>
-          <a:p>
-            <a:r>
-              <a:rPr lang="en-GB" sz="6200" dirty="0">
-                <a:solidFill>
-                  <a:schemeClr val="bg2">
-                    <a:lumMod val="20000"/>
-                    <a:lumOff val="80000"/>
-                  </a:schemeClr>
-                </a:solidFill>
-                <a:latin typeface="Garamond" panose="02020404030301010803" pitchFamily="18" charset="0"/>
-              </a:rPr>
-              <a:t>STRATEGIC NEXT STEPS</a:t>
-            </a:r>
-          </a:p>
-        </p:txBody>
-      </p:sp>
-    </p:spTree>
-  </p:cSld>
-  <p:clrMapOvr>
-    <a:masterClrMapping/>
-  </p:clrMapOvr>
-</p:sld>
-</file>
-
 <file path=ppt/slides/slide2.xml><?xml version="1.0" encoding="utf-8"?>
 <p:sld xmlns:a="http://schemas.openxmlformats.org/drawingml/2006/main" xmlns:r="http://schemas.openxmlformats.org/officeDocument/2006/relationships" xmlns:p="http://schemas.openxmlformats.org/presentationml/2006/main">
   <p:cSld>
@@ -9141,209 +8525,7 @@
 </file>
 
 <file path=ppt/slides/slide5.xml><?xml version="1.0" encoding="utf-8"?>
-<p:sld xmlns:a="http://schemas.openxmlformats.org/drawingml/2006/main" xmlns:r="http://schemas.openxmlformats.org/officeDocument/2006/relationships" xmlns:p="http://schemas.openxmlformats.org/presentationml/2006/main" show="0">
-  <p:cSld>
-    <p:spTree>
-      <p:nvGrpSpPr>
-        <p:cNvPr id="1" name=""/>
-        <p:cNvGrpSpPr/>
-        <p:nvPr/>
-      </p:nvGrpSpPr>
-      <p:grpSpPr>
-        <a:xfrm>
-          <a:off x="0" y="0"/>
-          <a:ext cx="0" cy="0"/>
-          <a:chOff x="0" y="0"/>
-          <a:chExt cx="0" cy="0"/>
-        </a:xfrm>
-      </p:grpSpPr>
-      <p:pic>
-        <p:nvPicPr>
-          <p:cNvPr id="3" name="Picture 2">
-            <a:extLst>
-              <a:ext uri="{FF2B5EF4-FFF2-40B4-BE49-F238E27FC236}">
-                <a16:creationId xmlns:a16="http://schemas.microsoft.com/office/drawing/2014/main" id="{47960261-1C7A-4B4B-5875-298A18EC47FA}"/>
-              </a:ext>
-            </a:extLst>
-          </p:cNvPr>
-          <p:cNvPicPr>
-            <a:picLocks noChangeAspect="1"/>
-          </p:cNvPicPr>
-          <p:nvPr/>
-        </p:nvPicPr>
-        <p:blipFill>
-          <a:blip r:embed="rId2">
-            <a:extLst>
-              <a:ext uri="{28A0092B-C50C-407E-A947-70E740481C1C}">
-                <a14:useLocalDpi xmlns:a14="http://schemas.microsoft.com/office/drawing/2010/main" val="0"/>
-              </a:ext>
-            </a:extLst>
-          </a:blip>
-          <a:stretch>
-            <a:fillRect/>
-          </a:stretch>
-        </p:blipFill>
-        <p:spPr>
-          <a:xfrm>
-            <a:off x="186813" y="2483866"/>
-            <a:ext cx="8138160" cy="6781800"/>
-          </a:xfrm>
-          <a:prstGeom prst="rect">
-            <a:avLst/>
-          </a:prstGeom>
-        </p:spPr>
-      </p:pic>
-      <p:pic>
-        <p:nvPicPr>
-          <p:cNvPr id="5" name="Picture 4">
-            <a:extLst>
-              <a:ext uri="{FF2B5EF4-FFF2-40B4-BE49-F238E27FC236}">
-                <a16:creationId xmlns:a16="http://schemas.microsoft.com/office/drawing/2014/main" id="{380F538E-CA18-F04E-6660-A7F04EE27F6B}"/>
-              </a:ext>
-            </a:extLst>
-          </p:cNvPr>
-          <p:cNvPicPr>
-            <a:picLocks noChangeAspect="1"/>
-          </p:cNvPicPr>
-          <p:nvPr/>
-        </p:nvPicPr>
-        <p:blipFill>
-          <a:blip r:embed="rId3">
-            <a:extLst>
-              <a:ext uri="{28A0092B-C50C-407E-A947-70E740481C1C}">
-                <a14:useLocalDpi xmlns:a14="http://schemas.microsoft.com/office/drawing/2010/main" val="0"/>
-              </a:ext>
-            </a:extLst>
-          </a:blip>
-          <a:stretch>
-            <a:fillRect/>
-          </a:stretch>
-        </p:blipFill>
-        <p:spPr>
-          <a:xfrm>
-            <a:off x="8595360" y="1950451"/>
-            <a:ext cx="9540240" cy="7315215"/>
-          </a:xfrm>
-          <a:prstGeom prst="rect">
-            <a:avLst/>
-          </a:prstGeom>
-        </p:spPr>
-      </p:pic>
-    </p:spTree>
-    <p:extLst>
-      <p:ext uri="{BB962C8B-B14F-4D97-AF65-F5344CB8AC3E}">
-        <p14:creationId xmlns:p14="http://schemas.microsoft.com/office/powerpoint/2010/main" val="277685918"/>
-      </p:ext>
-    </p:extLst>
-  </p:cSld>
-  <p:clrMapOvr>
-    <a:masterClrMapping/>
-  </p:clrMapOvr>
-</p:sld>
-</file>
-
-<file path=ppt/slides/slide6.xml><?xml version="1.0" encoding="utf-8"?>
-<p:sld xmlns:a="http://schemas.openxmlformats.org/drawingml/2006/main" xmlns:r="http://schemas.openxmlformats.org/officeDocument/2006/relationships" xmlns:p="http://schemas.openxmlformats.org/presentationml/2006/main" show="0">
-  <p:cSld>
-    <p:spTree>
-      <p:nvGrpSpPr>
-        <p:cNvPr id="1" name=""/>
-        <p:cNvGrpSpPr/>
-        <p:nvPr/>
-      </p:nvGrpSpPr>
-      <p:grpSpPr>
-        <a:xfrm>
-          <a:off x="0" y="0"/>
-          <a:ext cx="0" cy="0"/>
-          <a:chOff x="0" y="0"/>
-          <a:chExt cx="0" cy="0"/>
-        </a:xfrm>
-      </p:grpSpPr>
-      <p:pic>
-        <p:nvPicPr>
-          <p:cNvPr id="7" name="Picture 6">
-            <a:extLst>
-              <a:ext uri="{FF2B5EF4-FFF2-40B4-BE49-F238E27FC236}">
-                <a16:creationId xmlns:a16="http://schemas.microsoft.com/office/drawing/2014/main" id="{3C928577-BF10-A136-5AE4-F0AA0378AD45}"/>
-              </a:ext>
-            </a:extLst>
-          </p:cNvPr>
-          <p:cNvPicPr>
-            <a:picLocks noChangeAspect="1"/>
-          </p:cNvPicPr>
-          <p:nvPr/>
-        </p:nvPicPr>
-        <p:blipFill>
-          <a:blip r:embed="rId2"/>
-          <a:stretch>
-            <a:fillRect/>
-          </a:stretch>
-        </p:blipFill>
-        <p:spPr>
-          <a:xfrm>
-            <a:off x="629264" y="1104900"/>
-            <a:ext cx="17029471" cy="8750029"/>
-          </a:xfrm>
-          <a:prstGeom prst="rect">
-            <a:avLst/>
-          </a:prstGeom>
-        </p:spPr>
-      </p:pic>
-      <p:sp>
-        <p:nvSpPr>
-          <p:cNvPr id="8" name="TextBox 7">
-            <a:extLst>
-              <a:ext uri="{FF2B5EF4-FFF2-40B4-BE49-F238E27FC236}">
-                <a16:creationId xmlns:a16="http://schemas.microsoft.com/office/drawing/2014/main" id="{991D97AE-47D8-36B7-6D6B-6164E6167C22}"/>
-              </a:ext>
-            </a:extLst>
-          </p:cNvPr>
-          <p:cNvSpPr txBox="1"/>
-          <p:nvPr/>
-        </p:nvSpPr>
-        <p:spPr>
-          <a:xfrm>
-            <a:off x="381000" y="266700"/>
-            <a:ext cx="10210800" cy="646331"/>
-          </a:xfrm>
-          <a:prstGeom prst="rect">
-            <a:avLst/>
-          </a:prstGeom>
-          <a:noFill/>
-        </p:spPr>
-        <p:txBody>
-          <a:bodyPr wrap="square" rtlCol="0">
-            <a:spAutoFit/>
-          </a:bodyPr>
-          <a:lstStyle/>
-          <a:p>
-            <a:r>
-              <a:rPr lang="en-GB" sz="3600" b="1" dirty="0">
-                <a:solidFill>
-                  <a:schemeClr val="bg1"/>
-                </a:solidFill>
-                <a:latin typeface="+mj-lt"/>
-              </a:rPr>
-              <a:t>Data and Feature engineering pipeline </a:t>
-            </a:r>
-          </a:p>
-        </p:txBody>
-      </p:sp>
-    </p:spTree>
-    <p:extLst>
-      <p:ext uri="{BB962C8B-B14F-4D97-AF65-F5344CB8AC3E}">
-        <p14:creationId xmlns:p14="http://schemas.microsoft.com/office/powerpoint/2010/main" val="1777210648"/>
-      </p:ext>
-    </p:extLst>
-  </p:cSld>
-  <p:clrMapOvr>
-    <a:masterClrMapping/>
-  </p:clrMapOvr>
-</p:sld>
-</file>
-
-<file path=ppt/slides/slide7.xml><?xml version="1.0" encoding="utf-8"?>
-<p:sld xmlns:a="http://schemas.openxmlformats.org/drawingml/2006/main" xmlns:r="http://schemas.openxmlformats.org/officeDocument/2006/relationships" xmlns:p="http://schemas.openxmlformats.org/presentationml/2006/main" show="0">
+<p:sld xmlns:a="http://schemas.openxmlformats.org/drawingml/2006/main" xmlns:r="http://schemas.openxmlformats.org/officeDocument/2006/relationships" xmlns:p="http://schemas.openxmlformats.org/presentationml/2006/main">
   <p:cSld>
     <p:spTree>
       <p:nvGrpSpPr>
@@ -9373,8 +8555,8 @@
         </p:blipFill>
         <p:spPr>
           <a:xfrm>
-            <a:off x="457200" y="3371302"/>
-            <a:ext cx="7743126" cy="5162061"/>
+            <a:off x="685800" y="3009900"/>
+            <a:ext cx="7743126" cy="5161950"/>
           </a:xfrm>
           <a:prstGeom prst="rect">
             <a:avLst/>
@@ -9383,85 +8565,127 @@
       </p:pic>
       <p:sp>
         <p:nvSpPr>
-          <p:cNvPr id="3" name="object 3"/>
+          <p:cNvPr id="4" name="object 4"/>
           <p:cNvSpPr txBox="1"/>
           <p:nvPr/>
         </p:nvSpPr>
         <p:spPr>
           <a:xfrm>
-            <a:off x="8681280" y="4115580"/>
-            <a:ext cx="6744334" cy="2415405"/>
+            <a:off x="9141542" y="4152900"/>
+            <a:ext cx="7678420" cy="1605568"/>
           </a:xfrm>
           <a:prstGeom prst="rect">
             <a:avLst/>
           </a:prstGeom>
         </p:spPr>
         <p:txBody>
-          <a:bodyPr vert="horz" wrap="square" lIns="0" tIns="14605" rIns="0" bIns="0" rtlCol="0">
+          <a:bodyPr vert="horz" wrap="square" lIns="0" tIns="12700" rIns="0" bIns="0" rtlCol="0">
             <a:spAutoFit/>
           </a:bodyPr>
           <a:lstStyle/>
           <a:p>
-            <a:pPr marL="12700">
+            <a:pPr marL="469900" indent="-457200">
               <a:lnSpc>
                 <a:spcPct val="100000"/>
               </a:lnSpc>
               <a:spcBef>
-                <a:spcPts val="115"/>
+                <a:spcPts val="100"/>
               </a:spcBef>
+              <a:buFont typeface="Arial" panose="020B0604020202020204" pitchFamily="34" charset="0"/>
+              <a:buChar char="•"/>
             </a:pPr>
             <a:r>
-              <a:rPr sz="2400" b="1" spc="150" dirty="0">
+              <a:rPr sz="2700" b="1" spc="155" dirty="0">
                 <a:solidFill>
                   <a:srgbClr val="ECE6ED"/>
                 </a:solidFill>
-                <a:latin typeface="Arial Narrow"/>
+                <a:latin typeface="Garamond" panose="02020404030301010803" pitchFamily="18" charset="0"/>
                 <a:cs typeface="Arial Narrow"/>
               </a:rPr>
-              <a:t>Contract</a:t>
-            </a:r>
-            <a:r>
-              <a:rPr sz="2400" b="1" spc="60" dirty="0">
+              <a:t>LightGBM:</a:t>
+            </a:r>
+            <a:r>
+              <a:rPr sz="2700" b="1" spc="75" dirty="0">
                 <a:solidFill>
                   <a:srgbClr val="ECE6ED"/>
                 </a:solidFill>
-                <a:latin typeface="Arial Narrow"/>
+                <a:latin typeface="Garamond" panose="02020404030301010803" pitchFamily="18" charset="0"/>
                 <a:cs typeface="Arial Narrow"/>
               </a:rPr>
               <a:t> </a:t>
             </a:r>
             <a:r>
-              <a:rPr sz="2400" b="1" spc="145" dirty="0">
+              <a:rPr sz="2700" b="1" spc="125" dirty="0">
                 <a:solidFill>
                   <a:srgbClr val="ECE6ED"/>
                 </a:solidFill>
-                <a:latin typeface="Arial Narrow"/>
+                <a:latin typeface="Garamond" panose="02020404030301010803" pitchFamily="18" charset="0"/>
                 <a:cs typeface="Arial Narrow"/>
               </a:rPr>
-              <a:t>Lifecycle</a:t>
-            </a:r>
-            <a:r>
-              <a:rPr sz="2400" b="1" spc="65" dirty="0">
+              <a:t>Fast,</a:t>
+            </a:r>
+            <a:r>
+              <a:rPr sz="2700" b="1" spc="80" dirty="0">
                 <a:solidFill>
                   <a:srgbClr val="ECE6ED"/>
                 </a:solidFill>
-                <a:latin typeface="Arial Narrow"/>
+                <a:latin typeface="Garamond" panose="02020404030301010803" pitchFamily="18" charset="0"/>
                 <a:cs typeface="Arial Narrow"/>
               </a:rPr>
               <a:t> </a:t>
             </a:r>
             <a:r>
-              <a:rPr sz="2400" b="1" spc="125" dirty="0">
+              <a:rPr sz="2700" b="1" spc="165" dirty="0">
                 <a:solidFill>
                   <a:srgbClr val="ECE6ED"/>
                 </a:solidFill>
-                <a:latin typeface="Arial Narrow"/>
+                <a:latin typeface="Garamond" panose="02020404030301010803" pitchFamily="18" charset="0"/>
                 <a:cs typeface="Arial Narrow"/>
               </a:rPr>
-              <a:t>Signals</a:t>
-            </a:r>
-            <a:endParaRPr sz="2400" dirty="0">
-              <a:latin typeface="Arial Narrow"/>
+              <a:t>Scalable</a:t>
+            </a:r>
+            <a:r>
+              <a:rPr sz="2700" b="1" spc="75" dirty="0">
+                <a:solidFill>
+                  <a:srgbClr val="ECE6ED"/>
+                </a:solidFill>
+                <a:latin typeface="Garamond" panose="02020404030301010803" pitchFamily="18" charset="0"/>
+                <a:cs typeface="Arial Narrow"/>
+              </a:rPr>
+              <a:t> </a:t>
+            </a:r>
+            <a:r>
+              <a:rPr sz="2700" b="1" spc="135" dirty="0">
+                <a:solidFill>
+                  <a:srgbClr val="ECE6ED"/>
+                </a:solidFill>
+                <a:latin typeface="Garamond" panose="02020404030301010803" pitchFamily="18" charset="0"/>
+                <a:cs typeface="Arial Narrow"/>
+              </a:rPr>
+              <a:t>Churn</a:t>
+            </a:r>
+            <a:r>
+              <a:rPr sz="2700" b="1" spc="80" dirty="0">
+                <a:solidFill>
+                  <a:srgbClr val="ECE6ED"/>
+                </a:solidFill>
+                <a:latin typeface="Garamond" panose="02020404030301010803" pitchFamily="18" charset="0"/>
+                <a:cs typeface="Arial Narrow"/>
+              </a:rPr>
+              <a:t> </a:t>
+            </a:r>
+            <a:r>
+              <a:rPr sz="2700" b="1" spc="170" dirty="0">
+                <a:solidFill>
+                  <a:srgbClr val="ECE6ED"/>
+                </a:solidFill>
+                <a:latin typeface="Garamond" panose="02020404030301010803" pitchFamily="18" charset="0"/>
+                <a:cs typeface="Arial Narrow"/>
+              </a:rPr>
+              <a:t>Modelling</a:t>
+            </a:r>
+            <a:endParaRPr sz="2700" dirty="0">
+              <a:latin typeface="Garamond" panose="02020404030301010803" pitchFamily="18" charset="0"/>
               <a:cs typeface="Arial Narrow"/>
             </a:endParaRPr>
           </a:p>
@@ -9471,288 +8695,651 @@
                 <a:spcPct val="100000"/>
               </a:lnSpc>
               <a:spcBef>
-                <a:spcPts val="325"/>
+                <a:spcPts val="285"/>
               </a:spcBef>
+              <a:buClr>
+                <a:srgbClr val="ECE6ED"/>
+              </a:buClr>
+              <a:buFont typeface="Garamond"/>
+              <a:buChar char="•"/>
             </a:pPr>
-            <a:endParaRPr sz="1750" dirty="0">
-              <a:latin typeface="Century Gothic"/>
+            <a:endParaRPr sz="2000" dirty="0">
+              <a:latin typeface="Garamond" panose="02020404030301010803" pitchFamily="18" charset="0"/>
               <a:cs typeface="Century Gothic"/>
             </a:endParaRPr>
           </a:p>
           <a:p>
-            <a:pPr marL="12700">
-              <a:lnSpc>
-                <a:spcPct val="100000"/>
-              </a:lnSpc>
+            <a:pPr marL="469900" indent="-457200">
+              <a:buFont typeface="Arial" panose="020B0604020202020204" pitchFamily="34" charset="0"/>
+              <a:buChar char="•"/>
             </a:pPr>
             <a:r>
-              <a:rPr sz="2400" b="1" spc="130" dirty="0">
+              <a:rPr sz="2700" b="1" spc="195" dirty="0">
                 <a:solidFill>
                   <a:srgbClr val="ECE6ED"/>
                 </a:solidFill>
-                <a:latin typeface="Arial Narrow"/>
+                <a:latin typeface="Garamond" panose="02020404030301010803" pitchFamily="18" charset="0"/>
                 <a:cs typeface="Arial Narrow"/>
               </a:rPr>
-              <a:t>Behavioural</a:t>
-            </a:r>
-            <a:r>
-              <a:rPr sz="2400" b="1" dirty="0">
+              <a:t>Time-</a:t>
+            </a:r>
+            <a:r>
+              <a:rPr sz="2700" b="1" spc="220" dirty="0">
                 <a:solidFill>
                   <a:srgbClr val="ECE6ED"/>
                 </a:solidFill>
-                <a:latin typeface="Arial Narrow"/>
+                <a:latin typeface="Garamond" panose="02020404030301010803" pitchFamily="18" charset="0"/>
+                <a:cs typeface="Arial Narrow"/>
+              </a:rPr>
+              <a:t>Based</a:t>
+            </a:r>
+            <a:r>
+              <a:rPr sz="2700" b="1" spc="-15" dirty="0">
+                <a:solidFill>
+                  <a:srgbClr val="ECE6ED"/>
+                </a:solidFill>
+                <a:latin typeface="Garamond" panose="02020404030301010803" pitchFamily="18" charset="0"/>
                 <a:cs typeface="Arial Narrow"/>
               </a:rPr>
               <a:t> </a:t>
             </a:r>
             <a:r>
-              <a:rPr sz="2400" b="1" spc="165" dirty="0">
+              <a:rPr sz="2700" b="1" spc="195" dirty="0">
                 <a:solidFill>
                   <a:srgbClr val="ECE6ED"/>
                 </a:solidFill>
-                <a:latin typeface="Arial Narrow"/>
+                <a:latin typeface="Garamond" panose="02020404030301010803" pitchFamily="18" charset="0"/>
                 <a:cs typeface="Arial Narrow"/>
               </a:rPr>
-              <a:t>Trend</a:t>
-            </a:r>
-            <a:r>
-              <a:rPr sz="2400" b="1" spc="80" dirty="0">
+              <a:t>Train/Test</a:t>
+            </a:r>
+            <a:r>
+              <a:rPr sz="2700" b="1" spc="80" dirty="0">
                 <a:solidFill>
                   <a:srgbClr val="ECE6ED"/>
                 </a:solidFill>
-                <a:latin typeface="Arial Narrow"/>
+                <a:latin typeface="Garamond" panose="02020404030301010803" pitchFamily="18" charset="0"/>
                 <a:cs typeface="Arial Narrow"/>
               </a:rPr>
               <a:t> </a:t>
             </a:r>
             <a:r>
-              <a:rPr sz="2400" b="1" spc="110" dirty="0">
+              <a:rPr sz="2700" b="1" spc="130" dirty="0">
                 <a:solidFill>
                   <a:srgbClr val="ECE6ED"/>
                 </a:solidFill>
-                <a:latin typeface="Arial Narrow"/>
+                <a:latin typeface="Garamond" panose="02020404030301010803" pitchFamily="18" charset="0"/>
                 <a:cs typeface="Arial Narrow"/>
               </a:rPr>
-              <a:t>Analysis</a:t>
-            </a:r>
-            <a:endParaRPr sz="2400" dirty="0">
-              <a:latin typeface="Arial Narrow"/>
+              <a:t>Split</a:t>
+            </a:r>
+            <a:r>
+              <a:rPr lang="en-GB" sz="2700" b="1" spc="130" dirty="0">
+                <a:solidFill>
+                  <a:srgbClr val="ECE6ED"/>
+                </a:solidFill>
+                <a:latin typeface="Garamond" panose="02020404030301010803" pitchFamily="18" charset="0"/>
+                <a:cs typeface="Arial Narrow"/>
+              </a:rPr>
+              <a:t> (Prevents Data Leakage)</a:t>
+            </a:r>
+            <a:endParaRPr sz="2700" dirty="0">
+              <a:latin typeface="Garamond" panose="02020404030301010803" pitchFamily="18" charset="0"/>
               <a:cs typeface="Arial Narrow"/>
             </a:endParaRPr>
           </a:p>
-          <a:p>
-            <a:pPr>
-              <a:lnSpc>
-                <a:spcPct val="100000"/>
-              </a:lnSpc>
-              <a:spcBef>
-                <a:spcPts val="330"/>
-              </a:spcBef>
-            </a:pPr>
-            <a:endParaRPr sz="1750" dirty="0">
-              <a:latin typeface="Century Gothic"/>
-              <a:cs typeface="Century Gothic"/>
-            </a:endParaRPr>
-          </a:p>
-          <a:p>
-            <a:pPr marL="12700">
-              <a:lnSpc>
-                <a:spcPct val="100000"/>
-              </a:lnSpc>
-            </a:pPr>
-            <a:r>
-              <a:rPr sz="2400" b="1" spc="145" dirty="0">
-                <a:solidFill>
-                  <a:srgbClr val="ECE6ED"/>
-                </a:solidFill>
-                <a:latin typeface="Arial Narrow"/>
-                <a:cs typeface="Arial Narrow"/>
-              </a:rPr>
-              <a:t>Service</a:t>
-            </a:r>
-            <a:r>
-              <a:rPr sz="2400" b="1" spc="70" dirty="0">
-                <a:solidFill>
-                  <a:srgbClr val="ECE6ED"/>
-                </a:solidFill>
-                <a:latin typeface="Arial Narrow"/>
-                <a:cs typeface="Arial Narrow"/>
-              </a:rPr>
-              <a:t> </a:t>
-            </a:r>
-            <a:r>
-              <a:rPr sz="2400" b="1" spc="120" dirty="0">
-                <a:solidFill>
-                  <a:srgbClr val="ECE6ED"/>
-                </a:solidFill>
-                <a:latin typeface="Arial Narrow"/>
-                <a:cs typeface="Arial Narrow"/>
-              </a:rPr>
-              <a:t>Quality</a:t>
-            </a:r>
-            <a:r>
-              <a:rPr sz="2400" b="1" spc="70" dirty="0">
-                <a:solidFill>
-                  <a:srgbClr val="ECE6ED"/>
-                </a:solidFill>
-                <a:latin typeface="Arial Narrow"/>
-                <a:cs typeface="Arial Narrow"/>
-              </a:rPr>
-              <a:t> </a:t>
-            </a:r>
-            <a:r>
-              <a:rPr sz="2400" b="1" spc="120" dirty="0">
-                <a:solidFill>
-                  <a:srgbClr val="ECE6ED"/>
-                </a:solidFill>
-                <a:latin typeface="Arial Narrow"/>
-                <a:cs typeface="Arial Narrow"/>
-              </a:rPr>
-              <a:t>Gaps</a:t>
-            </a:r>
-            <a:endParaRPr sz="2400" dirty="0">
-              <a:latin typeface="Arial Narrow"/>
-              <a:cs typeface="Arial Narrow"/>
-            </a:endParaRPr>
-          </a:p>
-          <a:p>
-            <a:pPr>
-              <a:lnSpc>
-                <a:spcPct val="100000"/>
-              </a:lnSpc>
-              <a:spcBef>
-                <a:spcPts val="325"/>
-              </a:spcBef>
-            </a:pPr>
-            <a:endParaRPr sz="1750" dirty="0">
-              <a:latin typeface="Century Gothic"/>
-              <a:cs typeface="Century Gothic"/>
-            </a:endParaRPr>
-          </a:p>
-          <a:p>
-            <a:pPr marL="12700">
-              <a:lnSpc>
-                <a:spcPct val="100000"/>
-              </a:lnSpc>
-              <a:spcBef>
-                <a:spcPts val="5"/>
-              </a:spcBef>
-            </a:pPr>
-            <a:r>
-              <a:rPr sz="2400" b="1" spc="145" dirty="0">
-                <a:solidFill>
-                  <a:srgbClr val="ECE6ED"/>
-                </a:solidFill>
-                <a:latin typeface="Arial Narrow"/>
-                <a:cs typeface="Arial Narrow"/>
-              </a:rPr>
-              <a:t>Predictive</a:t>
-            </a:r>
-            <a:r>
-              <a:rPr sz="2400" b="1" spc="55" dirty="0">
-                <a:solidFill>
-                  <a:srgbClr val="ECE6ED"/>
-                </a:solidFill>
-                <a:latin typeface="Arial Narrow"/>
-                <a:cs typeface="Arial Narrow"/>
-              </a:rPr>
-              <a:t> </a:t>
-            </a:r>
-            <a:r>
-              <a:rPr sz="2400" b="1" spc="180" dirty="0">
-                <a:solidFill>
-                  <a:srgbClr val="ECE6ED"/>
-                </a:solidFill>
-                <a:latin typeface="Arial Narrow"/>
-                <a:cs typeface="Arial Narrow"/>
-              </a:rPr>
-              <a:t>Power</a:t>
-            </a:r>
-            <a:r>
-              <a:rPr sz="2400" b="1" spc="60" dirty="0">
-                <a:solidFill>
-                  <a:srgbClr val="ECE6ED"/>
-                </a:solidFill>
-                <a:latin typeface="Arial Narrow"/>
-                <a:cs typeface="Arial Narrow"/>
-              </a:rPr>
-              <a:t> </a:t>
-            </a:r>
-            <a:r>
-              <a:rPr sz="2400" b="1" spc="180" dirty="0">
-                <a:solidFill>
-                  <a:srgbClr val="ECE6ED"/>
-                </a:solidFill>
-                <a:latin typeface="Arial Narrow"/>
-                <a:cs typeface="Arial Narrow"/>
-              </a:rPr>
-              <a:t>of</a:t>
-            </a:r>
-            <a:r>
-              <a:rPr sz="2400" b="1" spc="60" dirty="0">
-                <a:solidFill>
-                  <a:srgbClr val="ECE6ED"/>
-                </a:solidFill>
-                <a:latin typeface="Arial Narrow"/>
-                <a:cs typeface="Arial Narrow"/>
-              </a:rPr>
-              <a:t> </a:t>
-            </a:r>
-            <a:r>
-              <a:rPr sz="2400" b="1" spc="145" dirty="0">
-                <a:solidFill>
-                  <a:srgbClr val="ECE6ED"/>
-                </a:solidFill>
-                <a:latin typeface="Arial Narrow"/>
-                <a:cs typeface="Arial Narrow"/>
-              </a:rPr>
-              <a:t>Features</a:t>
-            </a:r>
-            <a:endParaRPr sz="2400" dirty="0">
-              <a:latin typeface="Arial Narrow"/>
-              <a:cs typeface="Arial Narrow"/>
-            </a:endParaRPr>
-          </a:p>
-        </p:txBody>
-      </p:sp>
-      <p:sp>
-        <p:nvSpPr>
-          <p:cNvPr id="5" name="object 5"/>
-          <p:cNvSpPr txBox="1">
-            <a:spLocks noGrp="1"/>
-          </p:cNvSpPr>
-          <p:nvPr>
-            <p:ph type="sldNum" sz="quarter" idx="12"/>
-          </p:nvPr>
-        </p:nvSpPr>
-        <p:spPr>
+        </p:txBody>
+      </p:sp>
+      <p:sp>
+        <p:nvSpPr>
+          <p:cNvPr id="12" name="TextBox 11">
+            <a:extLst>
+              <a:ext uri="{FF2B5EF4-FFF2-40B4-BE49-F238E27FC236}">
+                <a16:creationId xmlns:a16="http://schemas.microsoft.com/office/drawing/2014/main" id="{33B5076B-CB61-9448-3277-D149C6AAF444}"/>
+              </a:ext>
+            </a:extLst>
+          </p:cNvPr>
+          <p:cNvSpPr txBox="1"/>
+          <p:nvPr/>
+        </p:nvSpPr>
+        <p:spPr>
+          <a:xfrm>
+            <a:off x="533400" y="351280"/>
+            <a:ext cx="13608570" cy="1046440"/>
+          </a:xfrm>
           <a:prstGeom prst="rect">
             <a:avLst/>
           </a:prstGeom>
-        </p:spPr>
-        <p:txBody>
-          <a:bodyPr vert="horz" wrap="square" lIns="0" tIns="64769" rIns="0" bIns="0" rtlCol="0">
+          <a:noFill/>
+        </p:spPr>
+        <p:txBody>
+          <a:bodyPr wrap="square" rtlCol="0">
             <a:spAutoFit/>
           </a:bodyPr>
           <a:lstStyle/>
           <a:p>
-            <a:pPr marL="38100">
-              <a:lnSpc>
-                <a:spcPct val="100000"/>
-              </a:lnSpc>
+            <a:r>
+              <a:rPr lang="en-GB" sz="6200" dirty="0">
+                <a:solidFill>
+                  <a:schemeClr val="bg2">
+                    <a:lumMod val="20000"/>
+                    <a:lumOff val="80000"/>
+                  </a:schemeClr>
+                </a:solidFill>
+                <a:latin typeface="Garamond" panose="02020404030301010803" pitchFamily="18" charset="0"/>
+              </a:rPr>
+              <a:t>MODEL DESIGN</a:t>
+            </a:r>
+          </a:p>
+        </p:txBody>
+      </p:sp>
+    </p:spTree>
+  </p:cSld>
+  <p:clrMapOvr>
+    <a:masterClrMapping/>
+  </p:clrMapOvr>
+</p:sld>
+</file>
+
+<file path=ppt/slides/slide6.xml><?xml version="1.0" encoding="utf-8"?>
+<p:sld xmlns:a="http://schemas.openxmlformats.org/drawingml/2006/main" xmlns:r="http://schemas.openxmlformats.org/officeDocument/2006/relationships" xmlns:p="http://schemas.openxmlformats.org/presentationml/2006/main">
+  <p:cSld>
+    <p:spTree>
+      <p:nvGrpSpPr>
+        <p:cNvPr id="1" name=""/>
+        <p:cNvGrpSpPr/>
+        <p:nvPr/>
+      </p:nvGrpSpPr>
+      <p:grpSpPr>
+        <a:xfrm>
+          <a:off x="0" y="0"/>
+          <a:ext cx="0" cy="0"/>
+          <a:chOff x="0" y="0"/>
+          <a:chExt cx="0" cy="0"/>
+        </a:xfrm>
+      </p:grpSpPr>
+      <p:sp>
+        <p:nvSpPr>
+          <p:cNvPr id="6" name="TextBox 5">
+            <a:extLst>
+              <a:ext uri="{FF2B5EF4-FFF2-40B4-BE49-F238E27FC236}">
+                <a16:creationId xmlns:a16="http://schemas.microsoft.com/office/drawing/2014/main" id="{ED6438B5-D0BB-50EA-0E59-5B88F6876845}"/>
+              </a:ext>
+            </a:extLst>
+          </p:cNvPr>
+          <p:cNvSpPr txBox="1"/>
+          <p:nvPr/>
+        </p:nvSpPr>
+        <p:spPr>
+          <a:xfrm>
+            <a:off x="280218" y="459075"/>
+            <a:ext cx="17855382" cy="2000548"/>
+          </a:xfrm>
+          <a:prstGeom prst="rect">
+            <a:avLst/>
+          </a:prstGeom>
+          <a:noFill/>
+        </p:spPr>
+        <p:txBody>
+          <a:bodyPr wrap="square" rtlCol="0">
+            <a:spAutoFit/>
+          </a:bodyPr>
+          <a:lstStyle/>
+          <a:p>
+            <a:r>
+              <a:rPr lang="en-GB" sz="6200" b="1" spc="-145" dirty="0">
+                <a:solidFill>
+                  <a:schemeClr val="bg2">
+                    <a:lumMod val="20000"/>
+                    <a:lumOff val="80000"/>
+                  </a:schemeClr>
+                </a:solidFill>
+                <a:latin typeface="Garamond" panose="02020404030301010803" pitchFamily="18" charset="0"/>
+                <a:ea typeface="+mj-ea"/>
+              </a:rPr>
+              <a:t>FEATURE</a:t>
+            </a:r>
+            <a:r>
+              <a:rPr lang="en-GB" sz="6200" b="1" dirty="0">
+                <a:solidFill>
+                  <a:schemeClr val="bg2">
+                    <a:lumMod val="20000"/>
+                    <a:lumOff val="80000"/>
+                  </a:schemeClr>
+                </a:solidFill>
+                <a:latin typeface="Garamond" panose="02020404030301010803" pitchFamily="18" charset="0"/>
+              </a:rPr>
+              <a:t> </a:t>
+            </a:r>
+            <a:r>
+              <a:rPr lang="en-GB" sz="6200" b="1" spc="-145" dirty="0">
+                <a:solidFill>
+                  <a:schemeClr val="bg2">
+                    <a:lumMod val="20000"/>
+                    <a:lumOff val="80000"/>
+                  </a:schemeClr>
+                </a:solidFill>
+                <a:latin typeface="Garamond" panose="02020404030301010803" pitchFamily="18" charset="0"/>
+                <a:ea typeface="+mj-ea"/>
+              </a:rPr>
+              <a:t>IMPORTANCE &amp; SHAP EXPLAINABILITY</a:t>
+            </a:r>
+          </a:p>
+        </p:txBody>
+      </p:sp>
+      <p:pic>
+        <p:nvPicPr>
+          <p:cNvPr id="7" name="Picture 6">
+            <a:extLst>
+              <a:ext uri="{FF2B5EF4-FFF2-40B4-BE49-F238E27FC236}">
+                <a16:creationId xmlns:a16="http://schemas.microsoft.com/office/drawing/2014/main" id="{49A50E99-BB6F-75E3-E8E8-D2F33FF2724D}"/>
+              </a:ext>
+            </a:extLst>
+          </p:cNvPr>
+          <p:cNvPicPr>
+            <a:picLocks noChangeAspect="1"/>
+          </p:cNvPicPr>
+          <p:nvPr/>
+        </p:nvPicPr>
+        <p:blipFill>
+          <a:blip r:embed="rId2">
+            <a:extLst>
+              <a:ext uri="{28A0092B-C50C-407E-A947-70E740481C1C}">
+                <a14:useLocalDpi xmlns:a14="http://schemas.microsoft.com/office/drawing/2010/main" val="0"/>
+              </a:ext>
+            </a:extLst>
+          </a:blip>
+          <a:stretch>
+            <a:fillRect/>
+          </a:stretch>
+        </p:blipFill>
+        <p:spPr>
+          <a:xfrm>
+            <a:off x="472426" y="2554574"/>
+            <a:ext cx="9448801" cy="7046625"/>
+          </a:xfrm>
+          <a:prstGeom prst="rect">
+            <a:avLst/>
+          </a:prstGeom>
+        </p:spPr>
+      </p:pic>
+      <p:pic>
+        <p:nvPicPr>
+          <p:cNvPr id="9" name="Picture 8">
+            <a:extLst>
+              <a:ext uri="{FF2B5EF4-FFF2-40B4-BE49-F238E27FC236}">
+                <a16:creationId xmlns:a16="http://schemas.microsoft.com/office/drawing/2014/main" id="{39B6FBF3-F662-03D8-E45B-1DB0B0A811AE}"/>
+              </a:ext>
+            </a:extLst>
+          </p:cNvPr>
+          <p:cNvPicPr>
+            <a:picLocks noChangeAspect="1"/>
+          </p:cNvPicPr>
+          <p:nvPr/>
+        </p:nvPicPr>
+        <p:blipFill>
+          <a:blip r:embed="rId3">
+            <a:extLst>
+              <a:ext uri="{28A0092B-C50C-407E-A947-70E740481C1C}">
+                <a14:useLocalDpi xmlns:a14="http://schemas.microsoft.com/office/drawing/2010/main" val="0"/>
+              </a:ext>
+            </a:extLst>
+          </a:blip>
+          <a:stretch>
+            <a:fillRect/>
+          </a:stretch>
+        </p:blipFill>
+        <p:spPr>
+          <a:xfrm>
+            <a:off x="10591800" y="2592674"/>
+            <a:ext cx="7223774" cy="7046625"/>
+          </a:xfrm>
+          <a:prstGeom prst="rect">
+            <a:avLst/>
+          </a:prstGeom>
+        </p:spPr>
+      </p:pic>
+      <p:sp>
+        <p:nvSpPr>
+          <p:cNvPr id="10" name="TextBox 9">
+            <a:extLst>
+              <a:ext uri="{FF2B5EF4-FFF2-40B4-BE49-F238E27FC236}">
+                <a16:creationId xmlns:a16="http://schemas.microsoft.com/office/drawing/2014/main" id="{D935DE17-7E83-BFAD-7EE9-EE6AE66BD91B}"/>
+              </a:ext>
+            </a:extLst>
+          </p:cNvPr>
+          <p:cNvSpPr txBox="1"/>
+          <p:nvPr/>
+        </p:nvSpPr>
+        <p:spPr>
+          <a:xfrm>
+            <a:off x="16078200" y="8039100"/>
+            <a:ext cx="1455413" cy="523220"/>
+          </a:xfrm>
+          <a:prstGeom prst="rect">
+            <a:avLst/>
+          </a:prstGeom>
+          <a:noFill/>
+        </p:spPr>
+        <p:txBody>
+          <a:bodyPr wrap="square" rtlCol="0">
+            <a:spAutoFit/>
+          </a:bodyPr>
+          <a:lstStyle/>
+          <a:p>
+            <a:r>
+              <a:rPr lang="en-GB" sz="2800" b="1" dirty="0">
+                <a:solidFill>
+                  <a:schemeClr val="bg1"/>
+                </a:solidFill>
+              </a:rPr>
+              <a:t>SHAP</a:t>
+            </a:r>
+            <a:endParaRPr lang="en-GB" b="1" dirty="0">
+              <a:solidFill>
+                <a:schemeClr val="bg1"/>
+              </a:solidFill>
+            </a:endParaRPr>
+          </a:p>
+        </p:txBody>
+      </p:sp>
+    </p:spTree>
+    <p:extLst>
+      <p:ext uri="{BB962C8B-B14F-4D97-AF65-F5344CB8AC3E}">
+        <p14:creationId xmlns:p14="http://schemas.microsoft.com/office/powerpoint/2010/main" val="1260817945"/>
+      </p:ext>
+    </p:extLst>
+  </p:cSld>
+  <p:clrMapOvr>
+    <a:masterClrMapping/>
+  </p:clrMapOvr>
+</p:sld>
+</file>
+
+<file path=ppt/slides/slide7.xml><?xml version="1.0" encoding="utf-8"?>
+<p:sld xmlns:a="http://schemas.openxmlformats.org/drawingml/2006/main" xmlns:r="http://schemas.openxmlformats.org/officeDocument/2006/relationships" xmlns:p="http://schemas.openxmlformats.org/presentationml/2006/main">
+  <p:cSld>
+    <p:spTree>
+      <p:nvGrpSpPr>
+        <p:cNvPr id="1" name=""/>
+        <p:cNvGrpSpPr/>
+        <p:nvPr/>
+      </p:nvGrpSpPr>
+      <p:grpSpPr>
+        <a:xfrm>
+          <a:off x="0" y="0"/>
+          <a:ext cx="0" cy="0"/>
+          <a:chOff x="0" y="0"/>
+          <a:chExt cx="0" cy="0"/>
+        </a:xfrm>
+      </p:grpSpPr>
+      <p:sp>
+        <p:nvSpPr>
+          <p:cNvPr id="4" name="TextBox 3">
+            <a:extLst>
+              <a:ext uri="{FF2B5EF4-FFF2-40B4-BE49-F238E27FC236}">
+                <a16:creationId xmlns:a16="http://schemas.microsoft.com/office/drawing/2014/main" id="{65AFFE8F-9932-D367-5762-96FDF562D813}"/>
+              </a:ext>
+            </a:extLst>
+          </p:cNvPr>
+          <p:cNvSpPr txBox="1"/>
+          <p:nvPr/>
+        </p:nvSpPr>
+        <p:spPr>
+          <a:xfrm>
+            <a:off x="762000" y="2365644"/>
+            <a:ext cx="6374175" cy="3077766"/>
+          </a:xfrm>
+          <a:prstGeom prst="rect">
+            <a:avLst/>
+          </a:prstGeom>
+          <a:noFill/>
+        </p:spPr>
+        <p:txBody>
+          <a:bodyPr wrap="square" rtlCol="0">
+            <a:spAutoFit/>
+          </a:bodyPr>
+          <a:lstStyle/>
+          <a:p>
+            <a:pPr marL="469900" indent="-457200">
               <a:spcBef>
-                <a:spcPts val="509"/>
+                <a:spcPts val="100"/>
               </a:spcBef>
+              <a:buFont typeface="Arial" panose="020B0604020202020204" pitchFamily="34" charset="0"/>
+              <a:buChar char="•"/>
             </a:pPr>
-            <a:fld id="{81D60167-4931-47E6-BA6A-407CBD079E47}" type="slidenum">
-              <a:rPr spc="65" dirty="0"/>
-              <a:t>7</a:t>
-            </a:fld>
-            <a:endParaRPr spc="65" dirty="0"/>
+            <a:r>
+              <a:rPr lang="en-GB" sz="2700" b="1" spc="155" dirty="0">
+                <a:solidFill>
+                  <a:srgbClr val="ECE6ED"/>
+                </a:solidFill>
+                <a:latin typeface="Garamond" panose="02020404030301010803" pitchFamily="18" charset="0"/>
+              </a:rPr>
+              <a:t>Model Accuracy: ~92%</a:t>
+            </a:r>
+          </a:p>
+          <a:p>
+            <a:pPr marL="469900" indent="-457200">
+              <a:spcBef>
+                <a:spcPts val="100"/>
+              </a:spcBef>
+              <a:buFont typeface="Arial" panose="020B0604020202020204" pitchFamily="34" charset="0"/>
+              <a:buChar char="•"/>
+            </a:pPr>
+            <a:endParaRPr lang="en-GB" sz="2700" b="1" spc="155" dirty="0">
+              <a:solidFill>
+                <a:srgbClr val="ECE6ED"/>
+              </a:solidFill>
+              <a:latin typeface="Garamond" panose="02020404030301010803" pitchFamily="18" charset="0"/>
+            </a:endParaRPr>
+          </a:p>
+          <a:p>
+            <a:pPr marL="469900" indent="-457200">
+              <a:spcBef>
+                <a:spcPts val="100"/>
+              </a:spcBef>
+              <a:buFont typeface="Arial" panose="020B0604020202020204" pitchFamily="34" charset="0"/>
+              <a:buChar char="•"/>
+            </a:pPr>
+            <a:r>
+              <a:rPr lang="en-GB" sz="2700" b="1" spc="155" dirty="0">
+                <a:solidFill>
+                  <a:srgbClr val="ECE6ED"/>
+                </a:solidFill>
+                <a:latin typeface="Garamond" panose="02020404030301010803" pitchFamily="18" charset="0"/>
+              </a:rPr>
+              <a:t>ROC-AUC: 0.97</a:t>
+            </a:r>
+          </a:p>
+          <a:p>
+            <a:pPr marL="469900" indent="-457200">
+              <a:spcBef>
+                <a:spcPts val="100"/>
+              </a:spcBef>
+              <a:buFont typeface="Arial" panose="020B0604020202020204" pitchFamily="34" charset="0"/>
+              <a:buChar char="•"/>
+            </a:pPr>
+            <a:endParaRPr lang="en-GB" sz="2700" b="1" spc="155" dirty="0">
+              <a:solidFill>
+                <a:srgbClr val="ECE6ED"/>
+              </a:solidFill>
+              <a:latin typeface="Garamond" panose="02020404030301010803" pitchFamily="18" charset="0"/>
+            </a:endParaRPr>
+          </a:p>
+          <a:p>
+            <a:pPr marL="469900" indent="-457200">
+              <a:spcBef>
+                <a:spcPts val="100"/>
+              </a:spcBef>
+              <a:buFont typeface="Arial" panose="020B0604020202020204" pitchFamily="34" charset="0"/>
+              <a:buChar char="•"/>
+            </a:pPr>
+            <a:r>
+              <a:rPr lang="en-GB" sz="2700" b="1" spc="155" dirty="0">
+                <a:solidFill>
+                  <a:srgbClr val="ECE6ED"/>
+                </a:solidFill>
+                <a:latin typeface="Garamond" panose="02020404030301010803" pitchFamily="18" charset="0"/>
+              </a:rPr>
+              <a:t>Recall @ Top 20% = 30.9%</a:t>
+            </a:r>
+          </a:p>
+          <a:p>
+            <a:pPr marL="469900" indent="-457200">
+              <a:spcBef>
+                <a:spcPts val="100"/>
+              </a:spcBef>
+              <a:buFont typeface="Arial" panose="020B0604020202020204" pitchFamily="34" charset="0"/>
+              <a:buChar char="•"/>
+            </a:pPr>
+            <a:endParaRPr lang="en-GB" sz="2700" b="1" spc="155" dirty="0">
+              <a:solidFill>
+                <a:srgbClr val="ECE6ED"/>
+              </a:solidFill>
+              <a:latin typeface="Garamond" panose="02020404030301010803" pitchFamily="18" charset="0"/>
+            </a:endParaRPr>
+          </a:p>
+          <a:p>
+            <a:pPr marL="469900" indent="-457200">
+              <a:spcBef>
+                <a:spcPts val="100"/>
+              </a:spcBef>
+              <a:buFont typeface="Arial" panose="020B0604020202020204" pitchFamily="34" charset="0"/>
+              <a:buChar char="•"/>
+            </a:pPr>
+            <a:r>
+              <a:rPr lang="en-GB" sz="2700" b="1" spc="155" dirty="0">
+                <a:solidFill>
+                  <a:srgbClr val="ECE6ED"/>
+                </a:solidFill>
+                <a:latin typeface="Garamond" panose="02020404030301010803" pitchFamily="18" charset="0"/>
+              </a:rPr>
+              <a:t>Lift = 1.54x</a:t>
+            </a:r>
+          </a:p>
+        </p:txBody>
+      </p:sp>
+      <p:pic>
+        <p:nvPicPr>
+          <p:cNvPr id="5" name="Picture 4">
+            <a:extLst>
+              <a:ext uri="{FF2B5EF4-FFF2-40B4-BE49-F238E27FC236}">
+                <a16:creationId xmlns:a16="http://schemas.microsoft.com/office/drawing/2014/main" id="{C8214A4A-64BA-960D-70A1-82C1B6FC190A}"/>
+              </a:ext>
+            </a:extLst>
+          </p:cNvPr>
+          <p:cNvPicPr>
+            <a:picLocks noChangeAspect="1"/>
+          </p:cNvPicPr>
+          <p:nvPr/>
+        </p:nvPicPr>
+        <p:blipFill>
+          <a:blip r:embed="rId2">
+            <a:extLst>
+              <a:ext uri="{28A0092B-C50C-407E-A947-70E740481C1C}">
+                <a14:useLocalDpi xmlns:a14="http://schemas.microsoft.com/office/drawing/2010/main" val="0"/>
+              </a:ext>
+            </a:extLst>
+          </a:blip>
+          <a:stretch>
+            <a:fillRect/>
+          </a:stretch>
+        </p:blipFill>
+        <p:spPr>
+          <a:xfrm>
+            <a:off x="11784375" y="190500"/>
+            <a:ext cx="6248400" cy="5145239"/>
+          </a:xfrm>
+          <a:prstGeom prst="rect">
+            <a:avLst/>
+          </a:prstGeom>
+        </p:spPr>
+      </p:pic>
+      <p:pic>
+        <p:nvPicPr>
+          <p:cNvPr id="6" name="Picture 5">
+            <a:extLst>
+              <a:ext uri="{FF2B5EF4-FFF2-40B4-BE49-F238E27FC236}">
+                <a16:creationId xmlns:a16="http://schemas.microsoft.com/office/drawing/2014/main" id="{9FFB9174-0551-718E-CE39-AFECD93FEB7B}"/>
+              </a:ext>
+            </a:extLst>
+          </p:cNvPr>
+          <p:cNvPicPr>
+            <a:picLocks noChangeAspect="1"/>
+          </p:cNvPicPr>
+          <p:nvPr/>
+        </p:nvPicPr>
+        <p:blipFill>
+          <a:blip r:embed="rId3">
+            <a:extLst>
+              <a:ext uri="{28A0092B-C50C-407E-A947-70E740481C1C}">
+                <a14:useLocalDpi xmlns:a14="http://schemas.microsoft.com/office/drawing/2010/main" val="0"/>
+              </a:ext>
+            </a:extLst>
+          </a:blip>
+          <a:stretch>
+            <a:fillRect/>
+          </a:stretch>
+        </p:blipFill>
+        <p:spPr>
+          <a:xfrm>
+            <a:off x="5410200" y="5335739"/>
+            <a:ext cx="6374175" cy="4760761"/>
+          </a:xfrm>
+          <a:prstGeom prst="rect">
+            <a:avLst/>
+          </a:prstGeom>
+        </p:spPr>
+      </p:pic>
+      <p:sp>
+        <p:nvSpPr>
+          <p:cNvPr id="7" name="TextBox 6">
+            <a:extLst>
+              <a:ext uri="{FF2B5EF4-FFF2-40B4-BE49-F238E27FC236}">
+                <a16:creationId xmlns:a16="http://schemas.microsoft.com/office/drawing/2014/main" id="{E41D0237-BAA6-5E17-3384-2F5BAF5F7B5A}"/>
+              </a:ext>
+            </a:extLst>
+          </p:cNvPr>
+          <p:cNvSpPr txBox="1"/>
+          <p:nvPr/>
+        </p:nvSpPr>
+        <p:spPr>
+          <a:xfrm>
+            <a:off x="533400" y="351280"/>
+            <a:ext cx="13608570" cy="1046440"/>
+          </a:xfrm>
+          <a:prstGeom prst="rect">
+            <a:avLst/>
+          </a:prstGeom>
+          <a:noFill/>
+        </p:spPr>
+        <p:txBody>
+          <a:bodyPr wrap="square" rtlCol="0">
+            <a:spAutoFit/>
+          </a:bodyPr>
+          <a:lstStyle/>
+          <a:p>
+            <a:r>
+              <a:rPr lang="en-GB" sz="6200" dirty="0">
+                <a:solidFill>
+                  <a:schemeClr val="bg2">
+                    <a:lumMod val="20000"/>
+                    <a:lumOff val="80000"/>
+                  </a:schemeClr>
+                </a:solidFill>
+                <a:latin typeface="Garamond" panose="02020404030301010803" pitchFamily="18" charset="0"/>
+              </a:rPr>
+              <a:t>EVALUATION METRICS</a:t>
+            </a:r>
           </a:p>
         </p:txBody>
       </p:sp>
     </p:spTree>
+    <p:extLst>
+      <p:ext uri="{BB962C8B-B14F-4D97-AF65-F5344CB8AC3E}">
+        <p14:creationId xmlns:p14="http://schemas.microsoft.com/office/powerpoint/2010/main" val="228705831"/>
+      </p:ext>
+    </p:extLst>
   </p:cSld>
   <p:clrMapOvr>
     <a:masterClrMapping/>
@@ -9791,8 +9378,8 @@
         </p:blipFill>
         <p:spPr>
           <a:xfrm>
-            <a:off x="685800" y="3009900"/>
-            <a:ext cx="7743126" cy="5161950"/>
+            <a:off x="9677400" y="2400300"/>
+            <a:ext cx="7743126" cy="5162067"/>
           </a:xfrm>
           <a:prstGeom prst="rect">
             <a:avLst/>
@@ -9801,14 +9388,14 @@
       </p:pic>
       <p:sp>
         <p:nvSpPr>
-          <p:cNvPr id="4" name="object 4"/>
+          <p:cNvPr id="3" name="object 3"/>
           <p:cNvSpPr txBox="1"/>
           <p:nvPr/>
         </p:nvSpPr>
         <p:spPr>
           <a:xfrm>
-            <a:off x="9141542" y="4152900"/>
-            <a:ext cx="7678420" cy="1605568"/>
+            <a:off x="1066800" y="3162300"/>
+            <a:ext cx="8331834" cy="2621230"/>
           </a:xfrm>
           <a:prstGeom prst="rect">
             <a:avLst/>
@@ -9831,17 +9418,27 @@
               <a:buChar char="•"/>
             </a:pPr>
             <a:r>
-              <a:rPr sz="2700" b="1" spc="155" dirty="0">
+              <a:rPr sz="2700" b="1" spc="165" dirty="0">
                 <a:solidFill>
                   <a:srgbClr val="ECE6ED"/>
                 </a:solidFill>
                 <a:latin typeface="Garamond" panose="02020404030301010803" pitchFamily="18" charset="0"/>
                 <a:cs typeface="Arial Narrow"/>
               </a:rPr>
-              <a:t>LightGBM:</a:t>
-            </a:r>
-            <a:r>
-              <a:rPr sz="2700" b="1" spc="75" dirty="0">
+              <a:t>Short-</a:t>
+            </a:r>
+            <a:r>
+              <a:rPr sz="2700" b="1" spc="295" dirty="0">
+                <a:solidFill>
+                  <a:srgbClr val="ECE6ED"/>
+                </a:solidFill>
+                <a:latin typeface="Garamond" panose="02020404030301010803" pitchFamily="18" charset="0"/>
+                <a:cs typeface="Arial Narrow"/>
+              </a:rPr>
+              <a:t>Term</a:t>
+            </a:r>
+            <a:r>
+              <a:rPr sz="2700" b="1" spc="70" dirty="0">
                 <a:solidFill>
                   <a:srgbClr val="ECE6ED"/>
                 </a:solidFill>
@@ -9851,17 +9448,17 @@
               <a:t> </a:t>
             </a:r>
             <a:r>
-              <a:rPr sz="2700" b="1" spc="125" dirty="0">
+              <a:rPr sz="2700" b="1" spc="135" dirty="0">
                 <a:solidFill>
                   <a:srgbClr val="ECE6ED"/>
                 </a:solidFill>
                 <a:latin typeface="Garamond" panose="02020404030301010803" pitchFamily="18" charset="0"/>
                 <a:cs typeface="Arial Narrow"/>
               </a:rPr>
-              <a:t>Fast,</a:t>
-            </a:r>
-            <a:r>
-              <a:rPr sz="2700" b="1" spc="80" dirty="0">
+              <a:t>Churn</a:t>
+            </a:r>
+            <a:r>
+              <a:rPr sz="2700" b="1" spc="75" dirty="0">
                 <a:solidFill>
                   <a:srgbClr val="ECE6ED"/>
                 </a:solidFill>
@@ -9871,54 +9468,14 @@
               <a:t> </a:t>
             </a:r>
             <a:r>
-              <a:rPr sz="2700" b="1" spc="165" dirty="0">
+              <a:rPr sz="2700" b="1" spc="150" dirty="0">
                 <a:solidFill>
                   <a:srgbClr val="ECE6ED"/>
                 </a:solidFill>
                 <a:latin typeface="Garamond" panose="02020404030301010803" pitchFamily="18" charset="0"/>
                 <a:cs typeface="Arial Narrow"/>
               </a:rPr>
-              <a:t>Scalable</a:t>
-            </a:r>
-            <a:r>
-              <a:rPr sz="2700" b="1" spc="75" dirty="0">
-                <a:solidFill>
-                  <a:srgbClr val="ECE6ED"/>
-                </a:solidFill>
-                <a:latin typeface="Garamond" panose="02020404030301010803" pitchFamily="18" charset="0"/>
-                <a:cs typeface="Arial Narrow"/>
-              </a:rPr>
-              <a:t> </a:t>
-            </a:r>
-            <a:r>
-              <a:rPr sz="2700" b="1" spc="135" dirty="0">
-                <a:solidFill>
-                  <a:srgbClr val="ECE6ED"/>
-                </a:solidFill>
-                <a:latin typeface="Garamond" panose="02020404030301010803" pitchFamily="18" charset="0"/>
-                <a:cs typeface="Arial Narrow"/>
-              </a:rPr>
-              <a:t>Churn</a:t>
-            </a:r>
-            <a:r>
-              <a:rPr sz="2700" b="1" spc="80" dirty="0">
-                <a:solidFill>
-                  <a:srgbClr val="ECE6ED"/>
-                </a:solidFill>
-                <a:latin typeface="Garamond" panose="02020404030301010803" pitchFamily="18" charset="0"/>
-                <a:cs typeface="Arial Narrow"/>
-              </a:rPr>
-              <a:t> </a:t>
-            </a:r>
-            <a:r>
-              <a:rPr sz="2700" b="1" spc="170" dirty="0">
-                <a:solidFill>
-                  <a:srgbClr val="ECE6ED"/>
-                </a:solidFill>
-                <a:latin typeface="Garamond" panose="02020404030301010803" pitchFamily="18" charset="0"/>
-                <a:cs typeface="Arial Narrow"/>
-              </a:rPr>
-              <a:t>Modelling</a:t>
+              <a:t>Forecasting</a:t>
             </a:r>
             <a:endParaRPr sz="2700" dirty="0">
               <a:latin typeface="Garamond" panose="02020404030301010803" pitchFamily="18" charset="0"/>
@@ -9926,51 +9483,80 @@
             </a:endParaRPr>
           </a:p>
           <a:p>
-            <a:pPr>
+            <a:pPr marL="457200" indent="-457200">
               <a:lnSpc>
                 <a:spcPct val="100000"/>
               </a:lnSpc>
               <a:spcBef>
                 <a:spcPts val="285"/>
               </a:spcBef>
-              <a:buClr>
-                <a:srgbClr val="ECE6ED"/>
-              </a:buClr>
-              <a:buFont typeface="Garamond"/>
+              <a:buFont typeface="Arial" panose="020B0604020202020204" pitchFamily="34" charset="0"/>
               <a:buChar char="•"/>
             </a:pPr>
-            <a:endParaRPr sz="2000" dirty="0">
+            <a:endParaRPr sz="2700" dirty="0">
               <a:latin typeface="Garamond" panose="02020404030301010803" pitchFamily="18" charset="0"/>
               <a:cs typeface="Century Gothic"/>
             </a:endParaRPr>
           </a:p>
           <a:p>
             <a:pPr marL="469900" indent="-457200">
+              <a:lnSpc>
+                <a:spcPct val="100000"/>
+              </a:lnSpc>
               <a:buFont typeface="Arial" panose="020B0604020202020204" pitchFamily="34" charset="0"/>
               <a:buChar char="•"/>
             </a:pPr>
             <a:r>
-              <a:rPr sz="2700" b="1" spc="195" dirty="0">
+              <a:rPr lang="en-GB" sz="2700" b="1" spc="195" dirty="0">
                 <a:solidFill>
                   <a:srgbClr val="ECE6ED"/>
                 </a:solidFill>
                 <a:latin typeface="Garamond" panose="02020404030301010803" pitchFamily="18" charset="0"/>
                 <a:cs typeface="Arial Narrow"/>
               </a:rPr>
-              <a:t>Time-</a:t>
-            </a:r>
-            <a:r>
-              <a:rPr sz="2700" b="1" spc="220" dirty="0">
+              <a:t>RAG Integration </a:t>
+            </a:r>
+            <a:endParaRPr sz="2700" dirty="0">
+              <a:latin typeface="Garamond" panose="02020404030301010803" pitchFamily="18" charset="0"/>
+              <a:cs typeface="Arial Narrow"/>
+            </a:endParaRPr>
+          </a:p>
+          <a:p>
+            <a:pPr marL="457200" indent="-457200">
+              <a:lnSpc>
+                <a:spcPct val="100000"/>
+              </a:lnSpc>
+              <a:spcBef>
+                <a:spcPts val="290"/>
+              </a:spcBef>
+              <a:buFont typeface="Arial" panose="020B0604020202020204" pitchFamily="34" charset="0"/>
+              <a:buChar char="•"/>
+            </a:pPr>
+            <a:endParaRPr sz="2700" dirty="0">
+              <a:latin typeface="Garamond" panose="02020404030301010803" pitchFamily="18" charset="0"/>
+              <a:cs typeface="Century Gothic"/>
+            </a:endParaRPr>
+          </a:p>
+          <a:p>
+            <a:pPr marL="469900" indent="-457200">
+              <a:lnSpc>
+                <a:spcPct val="100000"/>
+              </a:lnSpc>
+              <a:buFont typeface="Arial" panose="020B0604020202020204" pitchFamily="34" charset="0"/>
+              <a:buChar char="•"/>
+            </a:pPr>
+            <a:r>
+              <a:rPr sz="2700" b="1" spc="250" dirty="0">
                 <a:solidFill>
                   <a:srgbClr val="ECE6ED"/>
                 </a:solidFill>
                 <a:latin typeface="Garamond" panose="02020404030301010803" pitchFamily="18" charset="0"/>
                 <a:cs typeface="Arial Narrow"/>
               </a:rPr>
-              <a:t>Based</a:t>
-            </a:r>
-            <a:r>
-              <a:rPr sz="2700" b="1" spc="-15" dirty="0">
+              <a:t>CRM</a:t>
+            </a:r>
+            <a:r>
+              <a:rPr sz="2700" b="1" spc="60" dirty="0">
                 <a:solidFill>
                   <a:srgbClr val="ECE6ED"/>
                 </a:solidFill>
@@ -9980,17 +9566,17 @@
               <a:t> </a:t>
             </a:r>
             <a:r>
-              <a:rPr sz="2700" b="1" spc="195" dirty="0">
+              <a:rPr sz="2700" b="1" spc="185" dirty="0">
                 <a:solidFill>
                   <a:srgbClr val="ECE6ED"/>
                 </a:solidFill>
                 <a:latin typeface="Garamond" panose="02020404030301010803" pitchFamily="18" charset="0"/>
                 <a:cs typeface="Arial Narrow"/>
               </a:rPr>
-              <a:t>Train/Test</a:t>
-            </a:r>
-            <a:r>
-              <a:rPr sz="2700" b="1" spc="80" dirty="0">
+              <a:t>Workflow</a:t>
+            </a:r>
+            <a:r>
+              <a:rPr sz="2700" b="1" spc="65" dirty="0">
                 <a:solidFill>
                   <a:srgbClr val="ECE6ED"/>
                 </a:solidFill>
@@ -10000,38 +9586,44 @@
               <a:t> </a:t>
             </a:r>
             <a:r>
-              <a:rPr sz="2700" b="1" spc="130" dirty="0">
+              <a:rPr sz="2700" b="1" spc="170" dirty="0">
                 <a:solidFill>
                   <a:srgbClr val="ECE6ED"/>
                 </a:solidFill>
                 <a:latin typeface="Garamond" panose="02020404030301010803" pitchFamily="18" charset="0"/>
                 <a:cs typeface="Arial Narrow"/>
               </a:rPr>
-              <a:t>Split</a:t>
-            </a:r>
-            <a:r>
-              <a:rPr lang="en-GB" sz="2700" b="1" spc="130" dirty="0">
-                <a:solidFill>
-                  <a:srgbClr val="ECE6ED"/>
-                </a:solidFill>
-                <a:latin typeface="Garamond" panose="02020404030301010803" pitchFamily="18" charset="0"/>
-                <a:cs typeface="Arial Narrow"/>
-              </a:rPr>
-              <a:t> (Prevents Data Leakage)</a:t>
+              <a:t>Alignment</a:t>
             </a:r>
             <a:endParaRPr sz="2700" dirty="0">
               <a:latin typeface="Garamond" panose="02020404030301010803" pitchFamily="18" charset="0"/>
               <a:cs typeface="Arial Narrow"/>
             </a:endParaRPr>
           </a:p>
-        </p:txBody>
-      </p:sp>
-      <p:sp>
-        <p:nvSpPr>
-          <p:cNvPr id="12" name="TextBox 11">
+          <a:p>
+            <a:pPr marL="457200" indent="-457200">
+              <a:lnSpc>
+                <a:spcPct val="100000"/>
+              </a:lnSpc>
+              <a:spcBef>
+                <a:spcPts val="285"/>
+              </a:spcBef>
+              <a:buFont typeface="Arial" panose="020B0604020202020204" pitchFamily="34" charset="0"/>
+              <a:buChar char="•"/>
+            </a:pPr>
+            <a:endParaRPr sz="2700" dirty="0">
+              <a:latin typeface="Garamond" panose="02020404030301010803" pitchFamily="18" charset="0"/>
+              <a:cs typeface="Century Gothic"/>
+            </a:endParaRPr>
+          </a:p>
+        </p:txBody>
+      </p:sp>
+      <p:sp>
+        <p:nvSpPr>
+          <p:cNvPr id="6" name="TextBox 5">
             <a:extLst>
               <a:ext uri="{FF2B5EF4-FFF2-40B4-BE49-F238E27FC236}">
-                <a16:creationId xmlns:a16="http://schemas.microsoft.com/office/drawing/2014/main" id="{33B5076B-CB61-9448-3277-D149C6AAF444}"/>
+                <a16:creationId xmlns:a16="http://schemas.microsoft.com/office/drawing/2014/main" id="{F767FC6E-BFA0-1E45-14A3-04AE365BEDA8}"/>
               </a:ext>
             </a:extLst>
           </p:cNvPr>
@@ -10064,227 +9656,12 @@
                 </a:solidFill>
                 <a:latin typeface="Garamond" panose="02020404030301010803" pitchFamily="18" charset="0"/>
               </a:rPr>
-              <a:t>MODEL DESIGN</a:t>
+              <a:t>STRATEGIC NEXT STEPS</a:t>
             </a:r>
           </a:p>
         </p:txBody>
       </p:sp>
     </p:spTree>
-  </p:cSld>
-  <p:clrMapOvr>
-    <a:masterClrMapping/>
-  </p:clrMapOvr>
-</p:sld>
-</file>
-
-<file path=ppt/slides/slide9.xml><?xml version="1.0" encoding="utf-8"?>
-<p:sld xmlns:a="http://schemas.openxmlformats.org/drawingml/2006/main" xmlns:r="http://schemas.openxmlformats.org/officeDocument/2006/relationships" xmlns:p="http://schemas.openxmlformats.org/presentationml/2006/main">
-  <p:cSld>
-    <p:spTree>
-      <p:nvGrpSpPr>
-        <p:cNvPr id="1" name=""/>
-        <p:cNvGrpSpPr/>
-        <p:nvPr/>
-      </p:nvGrpSpPr>
-      <p:grpSpPr>
-        <a:xfrm>
-          <a:off x="0" y="0"/>
-          <a:ext cx="0" cy="0"/>
-          <a:chOff x="0" y="0"/>
-          <a:chExt cx="0" cy="0"/>
-        </a:xfrm>
-      </p:grpSpPr>
-      <p:sp>
-        <p:nvSpPr>
-          <p:cNvPr id="6" name="TextBox 5">
-            <a:extLst>
-              <a:ext uri="{FF2B5EF4-FFF2-40B4-BE49-F238E27FC236}">
-                <a16:creationId xmlns:a16="http://schemas.microsoft.com/office/drawing/2014/main" id="{ED6438B5-D0BB-50EA-0E59-5B88F6876845}"/>
-              </a:ext>
-            </a:extLst>
-          </p:cNvPr>
-          <p:cNvSpPr txBox="1"/>
-          <p:nvPr/>
-        </p:nvSpPr>
-        <p:spPr>
-          <a:xfrm>
-            <a:off x="280218" y="459075"/>
-            <a:ext cx="17855382" cy="2000548"/>
-          </a:xfrm>
-          <a:prstGeom prst="rect">
-            <a:avLst/>
-          </a:prstGeom>
-          <a:noFill/>
-        </p:spPr>
-        <p:txBody>
-          <a:bodyPr wrap="square" rtlCol="0">
-            <a:spAutoFit/>
-          </a:bodyPr>
-          <a:lstStyle/>
-          <a:p>
-            <a:r>
-              <a:rPr lang="en-GB" sz="6200" b="1" spc="-145" dirty="0">
-                <a:solidFill>
-                  <a:schemeClr val="bg2">
-                    <a:lumMod val="20000"/>
-                    <a:lumOff val="80000"/>
-                  </a:schemeClr>
-                </a:solidFill>
-                <a:latin typeface="Garamond" panose="02020404030301010803" pitchFamily="18" charset="0"/>
-                <a:ea typeface="+mj-ea"/>
-              </a:rPr>
-              <a:t>FEATURE</a:t>
-            </a:r>
-            <a:r>
-              <a:rPr lang="en-GB" sz="6200" b="1" dirty="0">
-                <a:solidFill>
-                  <a:schemeClr val="bg2">
-                    <a:lumMod val="20000"/>
-                    <a:lumOff val="80000"/>
-                  </a:schemeClr>
-                </a:solidFill>
-                <a:latin typeface="Garamond" panose="02020404030301010803" pitchFamily="18" charset="0"/>
-              </a:rPr>
-              <a:t> </a:t>
-            </a:r>
-            <a:r>
-              <a:rPr lang="en-GB" sz="6200" b="1" spc="-145" dirty="0">
-                <a:solidFill>
-                  <a:schemeClr val="bg2">
-                    <a:lumMod val="20000"/>
-                    <a:lumOff val="80000"/>
-                  </a:schemeClr>
-                </a:solidFill>
-                <a:latin typeface="Garamond" panose="02020404030301010803" pitchFamily="18" charset="0"/>
-                <a:ea typeface="+mj-ea"/>
-              </a:rPr>
-              <a:t>IMPORTANCE &amp; SHAP EXPLAINABILITY</a:t>
-            </a:r>
-          </a:p>
-        </p:txBody>
-      </p:sp>
-      <p:pic>
-        <p:nvPicPr>
-          <p:cNvPr id="7" name="Picture 6">
-            <a:extLst>
-              <a:ext uri="{FF2B5EF4-FFF2-40B4-BE49-F238E27FC236}">
-                <a16:creationId xmlns:a16="http://schemas.microsoft.com/office/drawing/2014/main" id="{49A50E99-BB6F-75E3-E8E8-D2F33FF2724D}"/>
-              </a:ext>
-            </a:extLst>
-          </p:cNvPr>
-          <p:cNvPicPr>
-            <a:picLocks noChangeAspect="1"/>
-          </p:cNvPicPr>
-          <p:nvPr/>
-        </p:nvPicPr>
-        <p:blipFill>
-          <a:blip r:embed="rId2">
-            <a:extLst>
-              <a:ext uri="{28A0092B-C50C-407E-A947-70E740481C1C}">
-                <a14:useLocalDpi xmlns:a14="http://schemas.microsoft.com/office/drawing/2010/main" val="0"/>
-              </a:ext>
-            </a:extLst>
-          </a:blip>
-          <a:stretch>
-            <a:fillRect/>
-          </a:stretch>
-        </p:blipFill>
-        <p:spPr>
-          <a:xfrm>
-            <a:off x="472426" y="2554574"/>
-            <a:ext cx="9448801" cy="7046625"/>
-          </a:xfrm>
-          <a:prstGeom prst="rect">
-            <a:avLst/>
-          </a:prstGeom>
-        </p:spPr>
-      </p:pic>
-      <p:pic>
-        <p:nvPicPr>
-          <p:cNvPr id="9" name="Picture 8">
-            <a:extLst>
-              <a:ext uri="{FF2B5EF4-FFF2-40B4-BE49-F238E27FC236}">
-                <a16:creationId xmlns:a16="http://schemas.microsoft.com/office/drawing/2014/main" id="{39B6FBF3-F662-03D8-E45B-1DB0B0A811AE}"/>
-              </a:ext>
-            </a:extLst>
-          </p:cNvPr>
-          <p:cNvPicPr>
-            <a:picLocks noChangeAspect="1"/>
-          </p:cNvPicPr>
-          <p:nvPr/>
-        </p:nvPicPr>
-        <p:blipFill>
-          <a:blip r:embed="rId3">
-            <a:extLst>
-              <a:ext uri="{28A0092B-C50C-407E-A947-70E740481C1C}">
-                <a14:useLocalDpi xmlns:a14="http://schemas.microsoft.com/office/drawing/2010/main" val="0"/>
-              </a:ext>
-            </a:extLst>
-          </a:blip>
-          <a:stretch>
-            <a:fillRect/>
-          </a:stretch>
-        </p:blipFill>
-        <p:spPr>
-          <a:xfrm>
-            <a:off x="10591800" y="2592674"/>
-            <a:ext cx="7223774" cy="7046625"/>
-          </a:xfrm>
-          <a:prstGeom prst="rect">
-            <a:avLst/>
-          </a:prstGeom>
-        </p:spPr>
-      </p:pic>
-      <p:sp>
-        <p:nvSpPr>
-          <p:cNvPr id="10" name="TextBox 9">
-            <a:extLst>
-              <a:ext uri="{FF2B5EF4-FFF2-40B4-BE49-F238E27FC236}">
-                <a16:creationId xmlns:a16="http://schemas.microsoft.com/office/drawing/2014/main" id="{D935DE17-7E83-BFAD-7EE9-EE6AE66BD91B}"/>
-              </a:ext>
-            </a:extLst>
-          </p:cNvPr>
-          <p:cNvSpPr txBox="1"/>
-          <p:nvPr/>
-        </p:nvSpPr>
-        <p:spPr>
-          <a:xfrm>
-            <a:off x="16078200" y="8039100"/>
-            <a:ext cx="1455413" cy="523220"/>
-          </a:xfrm>
-          <a:prstGeom prst="rect">
-            <a:avLst/>
-          </a:prstGeom>
-          <a:noFill/>
-        </p:spPr>
-        <p:txBody>
-          <a:bodyPr wrap="square" rtlCol="0">
-            <a:spAutoFit/>
-          </a:bodyPr>
-          <a:lstStyle/>
-          <a:p>
-            <a:r>
-              <a:rPr lang="en-GB" sz="2800" b="1" dirty="0">
-                <a:solidFill>
-                  <a:schemeClr val="bg1"/>
-                </a:solidFill>
-              </a:rPr>
-              <a:t>SHAP</a:t>
-            </a:r>
-            <a:endParaRPr lang="en-GB" b="1" dirty="0">
-              <a:solidFill>
-                <a:schemeClr val="bg1"/>
-              </a:solidFill>
-            </a:endParaRPr>
-          </a:p>
-        </p:txBody>
-      </p:sp>
-    </p:spTree>
-    <p:extLst>
-      <p:ext uri="{BB962C8B-B14F-4D97-AF65-F5344CB8AC3E}">
-        <p14:creationId xmlns:p14="http://schemas.microsoft.com/office/powerpoint/2010/main" val="1260817945"/>
-      </p:ext>
-    </p:extLst>
   </p:cSld>
   <p:clrMapOvr>
     <a:masterClrMapping/>
